--- a/課題研究/2016/川辺明俊/最終発表/1442045 川辺明俊 ポスター.pptx
+++ b/課題研究/2016/川辺明俊/最終発表/1442045 川辺明俊 ポスター.pptx
@@ -252,7 +252,7 @@
           <a:p>
             <a:fld id="{249F5CDE-9CD6-4091-AE13-B1A6AD99E2FB}" type="datetimeFigureOut">
               <a:rPr kumimoji="1" lang="ja-JP" altLang="en-US" smtClean="0"/>
-              <a:t>2016/12/9</a:t>
+              <a:t>2016/12/14</a:t>
             </a:fld>
             <a:endParaRPr kumimoji="1" lang="ja-JP" altLang="en-US"/>
           </a:p>
@@ -454,7 +454,7 @@
           <a:p>
             <a:fld id="{249F5CDE-9CD6-4091-AE13-B1A6AD99E2FB}" type="datetimeFigureOut">
               <a:rPr kumimoji="1" lang="ja-JP" altLang="en-US" smtClean="0"/>
-              <a:t>2016/12/9</a:t>
+              <a:t>2016/12/14</a:t>
             </a:fld>
             <a:endParaRPr kumimoji="1" lang="ja-JP" altLang="en-US"/>
           </a:p>
@@ -666,7 +666,7 @@
           <a:p>
             <a:fld id="{249F5CDE-9CD6-4091-AE13-B1A6AD99E2FB}" type="datetimeFigureOut">
               <a:rPr kumimoji="1" lang="ja-JP" altLang="en-US" smtClean="0"/>
-              <a:t>2016/12/9</a:t>
+              <a:t>2016/12/14</a:t>
             </a:fld>
             <a:endParaRPr kumimoji="1" lang="ja-JP" altLang="en-US"/>
           </a:p>
@@ -868,7 +868,7 @@
           <a:p>
             <a:fld id="{249F5CDE-9CD6-4091-AE13-B1A6AD99E2FB}" type="datetimeFigureOut">
               <a:rPr kumimoji="1" lang="ja-JP" altLang="en-US" smtClean="0"/>
-              <a:t>2016/12/9</a:t>
+              <a:t>2016/12/14</a:t>
             </a:fld>
             <a:endParaRPr kumimoji="1" lang="ja-JP" altLang="en-US"/>
           </a:p>
@@ -1112,7 +1112,7 @@
           <a:p>
             <a:fld id="{249F5CDE-9CD6-4091-AE13-B1A6AD99E2FB}" type="datetimeFigureOut">
               <a:rPr kumimoji="1" lang="ja-JP" altLang="en-US" smtClean="0"/>
-              <a:t>2016/12/9</a:t>
+              <a:t>2016/12/14</a:t>
             </a:fld>
             <a:endParaRPr kumimoji="1" lang="ja-JP" altLang="en-US"/>
           </a:p>
@@ -1408,7 +1408,7 @@
           <a:p>
             <a:fld id="{249F5CDE-9CD6-4091-AE13-B1A6AD99E2FB}" type="datetimeFigureOut">
               <a:rPr kumimoji="1" lang="ja-JP" altLang="en-US" smtClean="0"/>
-              <a:t>2016/12/9</a:t>
+              <a:t>2016/12/14</a:t>
             </a:fld>
             <a:endParaRPr kumimoji="1" lang="ja-JP" altLang="en-US"/>
           </a:p>
@@ -1839,7 +1839,7 @@
           <a:p>
             <a:fld id="{249F5CDE-9CD6-4091-AE13-B1A6AD99E2FB}" type="datetimeFigureOut">
               <a:rPr kumimoji="1" lang="ja-JP" altLang="en-US" smtClean="0"/>
-              <a:t>2016/12/9</a:t>
+              <a:t>2016/12/14</a:t>
             </a:fld>
             <a:endParaRPr kumimoji="1" lang="ja-JP" altLang="en-US"/>
           </a:p>
@@ -1957,7 +1957,7 @@
           <a:p>
             <a:fld id="{249F5CDE-9CD6-4091-AE13-B1A6AD99E2FB}" type="datetimeFigureOut">
               <a:rPr kumimoji="1" lang="ja-JP" altLang="en-US" smtClean="0"/>
-              <a:t>2016/12/9</a:t>
+              <a:t>2016/12/14</a:t>
             </a:fld>
             <a:endParaRPr kumimoji="1" lang="ja-JP" altLang="en-US"/>
           </a:p>
@@ -2052,7 +2052,7 @@
           <a:p>
             <a:fld id="{249F5CDE-9CD6-4091-AE13-B1A6AD99E2FB}" type="datetimeFigureOut">
               <a:rPr kumimoji="1" lang="ja-JP" altLang="en-US" smtClean="0"/>
-              <a:t>2016/12/9</a:t>
+              <a:t>2016/12/14</a:t>
             </a:fld>
             <a:endParaRPr kumimoji="1" lang="ja-JP" altLang="en-US"/>
           </a:p>
@@ -2361,7 +2361,7 @@
           <a:p>
             <a:fld id="{249F5CDE-9CD6-4091-AE13-B1A6AD99E2FB}" type="datetimeFigureOut">
               <a:rPr kumimoji="1" lang="ja-JP" altLang="en-US" smtClean="0"/>
-              <a:t>2016/12/9</a:t>
+              <a:t>2016/12/14</a:t>
             </a:fld>
             <a:endParaRPr kumimoji="1" lang="ja-JP" altLang="en-US"/>
           </a:p>
@@ -2618,7 +2618,7 @@
           <a:p>
             <a:fld id="{249F5CDE-9CD6-4091-AE13-B1A6AD99E2FB}" type="datetimeFigureOut">
               <a:rPr kumimoji="1" lang="ja-JP" altLang="en-US" smtClean="0"/>
-              <a:t>2016/12/9</a:t>
+              <a:t>2016/12/14</a:t>
             </a:fld>
             <a:endParaRPr kumimoji="1" lang="ja-JP" altLang="en-US"/>
           </a:p>
@@ -2683,9 +2683,12 @@
 <p:sldMaster xmlns:a="http://schemas.openxmlformats.org/drawingml/2006/main" xmlns:r="http://schemas.openxmlformats.org/officeDocument/2006/relationships" xmlns:p="http://schemas.openxmlformats.org/presentationml/2006/main">
   <p:cSld>
     <p:bg>
-      <p:bgRef idx="1001">
-        <a:schemeClr val="bg1"/>
-      </p:bgRef>
+      <p:bgPr>
+        <a:solidFill>
+          <a:schemeClr val="bg1"/>
+        </a:solidFill>
+        <a:effectLst/>
+      </p:bgPr>
     </p:bg>
     <p:spTree>
       <p:nvGrpSpPr>
@@ -2863,7 +2866,7 @@
           <a:p>
             <a:fld id="{249F5CDE-9CD6-4091-AE13-B1A6AD99E2FB}" type="datetimeFigureOut">
               <a:rPr kumimoji="1" lang="ja-JP" altLang="en-US" smtClean="0"/>
-              <a:t>2016/12/9</a:t>
+              <a:t>2016/12/14</a:t>
             </a:fld>
             <a:endParaRPr kumimoji="1" lang="ja-JP" altLang="en-US"/>
           </a:p>
@@ -3256,14 +3259,9 @@
   <p:cSld>
     <p:bg>
       <p:bgPr>
-        <a:pattFill prst="pct30">
-          <a:fgClr>
-            <a:srgbClr val="FFE59B"/>
-          </a:fgClr>
-          <a:bgClr>
-            <a:schemeClr val="bg1"/>
-          </a:bgClr>
-        </a:pattFill>
+        <a:solidFill>
+          <a:schemeClr val="bg1"/>
+        </a:solidFill>
         <a:effectLst/>
       </p:bgPr>
     </p:bg>
@@ -3334,8 +3332,8 @@
         </p:blipFill>
         <p:spPr>
           <a:xfrm>
-            <a:off x="175946" y="15481605"/>
-            <a:ext cx="3067050" cy="3067050"/>
+            <a:off x="216136" y="14842440"/>
+            <a:ext cx="2794533" cy="2794533"/>
           </a:xfrm>
           <a:prstGeom prst="rect">
             <a:avLst/>
@@ -3366,7 +3364,7 @@
         </p:nvSpPr>
         <p:spPr>
           <a:xfrm>
-            <a:off x="232487" y="6363005"/>
+            <a:off x="179704" y="6223764"/>
             <a:ext cx="20747030" cy="769441"/>
           </a:xfrm>
           <a:prstGeom prst="rect">
@@ -3382,23 +3380,15 @@
           <a:p>
             <a:r>
               <a:rPr lang="ja-JP" altLang="en-US" sz="4400" dirty="0" smtClean="0"/>
-              <a:t>ニューロン</a:t>
-            </a:r>
-            <a:r>
-              <a:rPr lang="en-US" altLang="ja-JP" sz="4400" dirty="0" smtClean="0"/>
-              <a:t>(</a:t>
+              <a:t>ニューロン（</a:t>
+            </a:r>
+            <a:r>
+              <a:rPr lang="ja-JP" altLang="en-US" sz="4400" smtClean="0"/>
+              <a:t>神経細胞）を</a:t>
             </a:r>
             <a:r>
               <a:rPr lang="ja-JP" altLang="en-US" sz="4400" dirty="0" smtClean="0"/>
-              <a:t>神経細胞</a:t>
-            </a:r>
-            <a:r>
-              <a:rPr lang="en-US" altLang="ja-JP" sz="4400" dirty="0" smtClean="0"/>
-              <a:t>)</a:t>
-            </a:r>
-            <a:r>
-              <a:rPr lang="ja-JP" altLang="en-US" sz="4400" dirty="0" smtClean="0"/>
-              <a:t>を数学的にモデル化したもの</a:t>
+              <a:t>数学的にモデル化したもの</a:t>
             </a:r>
             <a:endParaRPr kumimoji="1" lang="en-US" altLang="ja-JP" sz="4400" dirty="0" smtClean="0"/>
           </a:p>
@@ -3412,7 +3402,7 @@
         </p:nvSpPr>
         <p:spPr>
           <a:xfrm>
-            <a:off x="216136" y="10414297"/>
+            <a:off x="216136" y="9836460"/>
             <a:ext cx="4375862" cy="1015663"/>
           </a:xfrm>
           <a:prstGeom prst="rect">
@@ -3464,19 +3454,7 @@
           <a:p>
             <a:r>
               <a:rPr lang="ja-JP" altLang="en-US" sz="4400" dirty="0" smtClean="0"/>
-              <a:t>使用ゲームエンジン情報が少ないことからディープラーニングを使用すること</a:t>
-            </a:r>
-            <a:r>
-              <a:rPr lang="ja-JP" altLang="en-US" sz="4400" smtClean="0"/>
-              <a:t>に</a:t>
-            </a:r>
-            <a:r>
-              <a:rPr lang="ja-JP" altLang="en-US" sz="4400" smtClean="0"/>
-              <a:t>よってゲームエンジンを解析</a:t>
-            </a:r>
-            <a:r>
-              <a:rPr lang="ja-JP" altLang="en-US" sz="4400" dirty="0" smtClean="0"/>
-              <a:t>できるのではないかと考えた</a:t>
+              <a:t>使用ゲームエンジン情報が少ないことからディープラーニングを使用することによってゲームエンジンを解析できるのではないかと考えた</a:t>
             </a:r>
             <a:endParaRPr kumimoji="1" lang="ja-JP" altLang="en-US" sz="4400" dirty="0"/>
           </a:p>
@@ -3492,7 +3470,7 @@
         </p:nvCxnSpPr>
         <p:spPr>
           <a:xfrm>
-            <a:off x="17147937" y="7507176"/>
+            <a:off x="17095154" y="7367935"/>
             <a:ext cx="1133940" cy="0"/>
           </a:xfrm>
           <a:prstGeom prst="straightConnector1">
@@ -3528,7 +3506,7 @@
         </p:nvSpPr>
         <p:spPr>
           <a:xfrm>
-            <a:off x="385397" y="14206508"/>
+            <a:off x="385397" y="13628671"/>
             <a:ext cx="3357014" cy="769441"/>
           </a:xfrm>
           <a:prstGeom prst="rect">
@@ -3569,7 +3547,7 @@
         </p:nvSpPr>
         <p:spPr>
           <a:xfrm>
-            <a:off x="5851701" y="9592516"/>
+            <a:off x="5851701" y="9014679"/>
             <a:ext cx="3558265" cy="1855249"/>
           </a:xfrm>
           <a:prstGeom prst="ellipse">
@@ -3648,7 +3626,7 @@
         </p:blipFill>
         <p:spPr>
           <a:xfrm>
-            <a:off x="880390" y="11678367"/>
+            <a:off x="880390" y="11100530"/>
             <a:ext cx="2182034" cy="2182034"/>
           </a:xfrm>
           <a:prstGeom prst="rect">
@@ -3708,8 +3686,8 @@
         </p:nvSpPr>
         <p:spPr>
           <a:xfrm>
-            <a:off x="232487" y="5089157"/>
-            <a:ext cx="11457232" cy="1015663"/>
+            <a:off x="232486" y="5089157"/>
+            <a:ext cx="12856107" cy="1015663"/>
           </a:xfrm>
           <a:prstGeom prst="rect">
             <a:avLst/>
@@ -3734,31 +3712,7 @@
                   <a:prstClr val="black"/>
                 </a:solidFill>
               </a:rPr>
-              <a:t>ディープラーニング</a:t>
-            </a:r>
-            <a:r>
-              <a:rPr lang="en-US" altLang="ja-JP" sz="6000" dirty="0" smtClean="0">
-                <a:solidFill>
-                  <a:prstClr val="black"/>
-                </a:solidFill>
-              </a:rPr>
-              <a:t>(</a:t>
-            </a:r>
-            <a:r>
-              <a:rPr lang="ja-JP" altLang="en-US" sz="6000" dirty="0" smtClean="0">
-                <a:solidFill>
-                  <a:prstClr val="black"/>
-                </a:solidFill>
-              </a:rPr>
-              <a:t>深層学習</a:t>
-            </a:r>
-            <a:r>
-              <a:rPr lang="en-US" altLang="ja-JP" sz="6000" dirty="0" smtClean="0">
-                <a:solidFill>
-                  <a:prstClr val="black"/>
-                </a:solidFill>
-              </a:rPr>
-              <a:t>)</a:t>
+              <a:t>ディープラーニング（深層学習）</a:t>
             </a:r>
             <a:endParaRPr lang="en-US" altLang="ja-JP" sz="6000" dirty="0">
               <a:solidFill>
@@ -3799,7 +3753,7 @@
         </p:blipFill>
         <p:spPr>
           <a:xfrm>
-            <a:off x="16808107" y="11679819"/>
+            <a:off x="16796417" y="11067195"/>
             <a:ext cx="1947355" cy="1947355"/>
           </a:xfrm>
           <a:prstGeom prst="rect">
@@ -3815,7 +3769,7 @@
         </p:nvSpPr>
         <p:spPr>
           <a:xfrm>
-            <a:off x="14698153" y="14037636"/>
+            <a:off x="14686463" y="13425012"/>
             <a:ext cx="5967685" cy="769441"/>
           </a:xfrm>
           <a:prstGeom prst="rect">
@@ -3892,7 +3846,7 @@
         </p:nvSpPr>
         <p:spPr>
           <a:xfrm>
-            <a:off x="216136" y="18947489"/>
+            <a:off x="216136" y="19991007"/>
             <a:ext cx="4375862" cy="1015663"/>
           </a:xfrm>
           <a:prstGeom prst="rect">
@@ -3932,7 +3886,7 @@
         </p:nvSpPr>
         <p:spPr>
           <a:xfrm>
-            <a:off x="10239957" y="18914482"/>
+            <a:off x="8435988" y="19958142"/>
             <a:ext cx="4375862" cy="1015663"/>
           </a:xfrm>
           <a:prstGeom prst="rect">
@@ -3968,7 +3922,7 @@
         </p:nvSpPr>
         <p:spPr>
           <a:xfrm>
-            <a:off x="259711" y="26713213"/>
+            <a:off x="267473" y="27455079"/>
             <a:ext cx="4375862" cy="1015663"/>
           </a:xfrm>
           <a:prstGeom prst="rect">
@@ -4004,8 +3958,8 @@
         </p:nvSpPr>
         <p:spPr>
           <a:xfrm>
-            <a:off x="232487" y="20370709"/>
-            <a:ext cx="6351707" cy="1323439"/>
+            <a:off x="2085156" y="21380972"/>
+            <a:ext cx="6292001" cy="1323439"/>
           </a:xfrm>
           <a:prstGeom prst="rect">
             <a:avLst/>
@@ -4039,7 +3993,7 @@
         </p:nvSpPr>
         <p:spPr>
           <a:xfrm>
-            <a:off x="207958" y="22055147"/>
+            <a:off x="2063904" y="23061649"/>
             <a:ext cx="6343532" cy="1938992"/>
           </a:xfrm>
           <a:prstGeom prst="rect">
@@ -4081,7 +4035,7 @@
         </p:nvSpPr>
         <p:spPr>
           <a:xfrm>
-            <a:off x="232487" y="24467163"/>
+            <a:off x="2058154" y="25373309"/>
             <a:ext cx="6319003" cy="1938992"/>
           </a:xfrm>
           <a:prstGeom prst="rect">
@@ -4127,7 +4081,7 @@
         </p:nvSpPr>
         <p:spPr>
           <a:xfrm>
-            <a:off x="3242996" y="12040159"/>
+            <a:off x="3242996" y="11462322"/>
             <a:ext cx="1974660" cy="1247224"/>
           </a:xfrm>
           <a:prstGeom prst="leftArrow">
@@ -4201,7 +4155,7 @@
         </p:blipFill>
         <p:spPr>
           <a:xfrm flipH="1">
-            <a:off x="6090082" y="11812299"/>
+            <a:off x="6090082" y="11234462"/>
             <a:ext cx="1531015" cy="2029677"/>
           </a:xfrm>
           <a:prstGeom prst="rect">
@@ -4217,7 +4171,7 @@
         </p:nvSpPr>
         <p:spPr>
           <a:xfrm>
-            <a:off x="13961020" y="12147224"/>
+            <a:off x="13949330" y="11534600"/>
             <a:ext cx="1974660" cy="1247224"/>
           </a:xfrm>
           <a:prstGeom prst="leftArrow">
@@ -4284,7 +4238,7 @@
         </p:blipFill>
         <p:spPr>
           <a:xfrm>
-            <a:off x="10906560" y="11653261"/>
+            <a:off x="10894870" y="11040637"/>
             <a:ext cx="2182034" cy="2182034"/>
           </a:xfrm>
           <a:prstGeom prst="rect">
@@ -4300,7 +4254,7 @@
         </p:nvSpPr>
         <p:spPr>
           <a:xfrm>
-            <a:off x="10553219" y="14037636"/>
+            <a:off x="10541529" y="13425012"/>
             <a:ext cx="3357014" cy="769441"/>
           </a:xfrm>
           <a:prstGeom prst="rect">
@@ -4341,7 +4295,7 @@
         </p:nvSpPr>
         <p:spPr>
           <a:xfrm>
-            <a:off x="5253376" y="14206509"/>
+            <a:off x="5253376" y="13628672"/>
             <a:ext cx="3357014" cy="769441"/>
           </a:xfrm>
           <a:prstGeom prst="rect">
@@ -4379,7 +4333,7 @@
         </p:nvSpPr>
         <p:spPr>
           <a:xfrm>
-            <a:off x="216136" y="11447765"/>
+            <a:off x="216136" y="10869928"/>
             <a:ext cx="8741887" cy="3880098"/>
           </a:xfrm>
           <a:prstGeom prst="rect">
@@ -4425,7 +4379,7 @@
         </p:nvSpPr>
         <p:spPr>
           <a:xfrm>
-            <a:off x="10239957" y="11449218"/>
+            <a:off x="10228267" y="10836594"/>
             <a:ext cx="10556177" cy="3946869"/>
           </a:xfrm>
           <a:prstGeom prst="rect">
@@ -4471,7 +4425,7 @@
         </p:nvSpPr>
         <p:spPr>
           <a:xfrm>
-            <a:off x="7845507" y="11072765"/>
+            <a:off x="7845507" y="10494928"/>
             <a:ext cx="1180962" cy="839326"/>
           </a:xfrm>
           <a:prstGeom prst="ellipse">
@@ -4524,7 +4478,7 @@
         </p:nvSpPr>
         <p:spPr>
           <a:xfrm>
-            <a:off x="7710703" y="11622477"/>
+            <a:off x="7710703" y="11044640"/>
             <a:ext cx="553283" cy="553215"/>
           </a:xfrm>
           <a:prstGeom prst="ellipse">
@@ -4577,7 +4531,7 @@
         </p:nvSpPr>
         <p:spPr>
           <a:xfrm>
-            <a:off x="17051027" y="9688396"/>
+            <a:off x="17039337" y="9075772"/>
             <a:ext cx="3558265" cy="1855249"/>
           </a:xfrm>
           <a:prstGeom prst="ellipse">
@@ -4642,7 +4596,7 @@
         </p:nvGrpSpPr>
         <p:grpSpPr>
           <a:xfrm>
-            <a:off x="2385828" y="6672231"/>
+            <a:off x="2333045" y="6532990"/>
             <a:ext cx="15946032" cy="4267703"/>
             <a:chOff x="685544" y="6316132"/>
             <a:chExt cx="19756624" cy="5808514"/>
@@ -6601,7 +6555,7 @@
         </p:nvSpPr>
         <p:spPr>
           <a:xfrm>
-            <a:off x="18849670" y="11029554"/>
+            <a:off x="18837980" y="10416930"/>
             <a:ext cx="1180962" cy="839326"/>
           </a:xfrm>
           <a:prstGeom prst="ellipse">
@@ -6654,7 +6608,7 @@
         </p:nvSpPr>
         <p:spPr>
           <a:xfrm>
-            <a:off x="18886868" y="11623929"/>
+            <a:off x="18875178" y="11011305"/>
             <a:ext cx="553283" cy="553215"/>
           </a:xfrm>
           <a:prstGeom prst="ellipse">
@@ -6707,7 +6661,7 @@
         </p:nvSpPr>
         <p:spPr>
           <a:xfrm>
-            <a:off x="207958" y="28248899"/>
+            <a:off x="267473" y="28696836"/>
             <a:ext cx="20401190" cy="1446550"/>
           </a:xfrm>
           <a:prstGeom prst="rect">
@@ -6727,15 +6681,39 @@
           <a:lstStyle/>
           <a:p>
             <a:r>
+              <a:rPr kumimoji="1" lang="en-US" altLang="ja-JP" sz="4400" dirty="0" smtClean="0"/>
+              <a:t>1</a:t>
+            </a:r>
+            <a:r>
+              <a:rPr kumimoji="1" lang="ja-JP" altLang="en-US" sz="4400" dirty="0" err="1" smtClean="0"/>
+              <a:t>．</a:t>
+            </a:r>
+            <a:r>
               <a:rPr kumimoji="1" lang="ja-JP" altLang="en-US" sz="4400" dirty="0" smtClean="0"/>
-              <a:t>学習データ量を増加させていき</a:t>
+              <a:t>学習</a:t>
+            </a:r>
+            <a:r>
+              <a:rPr kumimoji="1" lang="ja-JP" altLang="en-US" sz="4400" dirty="0" smtClean="0"/>
+              <a:t>データ量を増加させていき画像データ正解率の精度を上げていく</a:t>
             </a:r>
             <a:endParaRPr kumimoji="1" lang="en-US" altLang="ja-JP" sz="4400" dirty="0" smtClean="0"/>
           </a:p>
           <a:p>
             <a:r>
-              <a:rPr kumimoji="1" lang="ja-JP" altLang="en-US" sz="4400" dirty="0" smtClean="0"/>
-              <a:t>画像データ正解率の精度を上げていく</a:t>
+              <a:rPr kumimoji="1" lang="en-US" altLang="ja-JP" sz="4400" dirty="0" smtClean="0"/>
+              <a:t>2</a:t>
+            </a:r>
+            <a:r>
+              <a:rPr kumimoji="1" lang="ja-JP" altLang="en-US" sz="4400" dirty="0" err="1" smtClean="0"/>
+              <a:t>．</a:t>
+            </a:r>
+            <a:r>
+              <a:rPr lang="ja-JP" altLang="en-US" sz="4400" dirty="0" smtClean="0"/>
+              <a:t>高い</a:t>
+            </a:r>
+            <a:r>
+              <a:rPr lang="ja-JP" altLang="en-US" sz="4400" dirty="0" smtClean="0"/>
+              <a:t>識別率を算出すれば，情報不明のゲームエンジンを解析する</a:t>
             </a:r>
             <a:endParaRPr kumimoji="1" lang="en-US" altLang="ja-JP" sz="4400" dirty="0" smtClean="0"/>
           </a:p>
@@ -6749,8 +6727,8 @@
         </p:nvSpPr>
         <p:spPr>
           <a:xfrm>
-            <a:off x="10237304" y="22480845"/>
-            <a:ext cx="7165951" cy="1323439"/>
+            <a:off x="10606002" y="22818764"/>
+            <a:ext cx="10280154" cy="1938992"/>
           </a:xfrm>
           <a:prstGeom prst="rect">
             <a:avLst/>
@@ -6774,14 +6752,75 @@
             </a:r>
             <a:r>
               <a:rPr kumimoji="1" lang="ja-JP" altLang="en-US" sz="4000" dirty="0" smtClean="0"/>
-              <a:t>つゲームエンジンの画像を</a:t>
-            </a:r>
-            <a:endParaRPr kumimoji="1" lang="en-US" altLang="ja-JP" sz="4000" dirty="0" smtClean="0"/>
-          </a:p>
-          <a:p>
+              <a:t>つゲームエンジン</a:t>
+            </a:r>
+            <a:r>
+              <a:rPr lang="ja-JP" altLang="en-US" sz="4000" dirty="0" smtClean="0"/>
+              <a:t>（</a:t>
+            </a:r>
+            <a:r>
+              <a:rPr lang="en-US" altLang="ja-JP" sz="4000" dirty="0" err="1" smtClean="0"/>
+              <a:t>CryENGINE</a:t>
+            </a:r>
+            <a:r>
+              <a:rPr lang="ja-JP" altLang="en-US" sz="4000" dirty="0" err="1" smtClean="0"/>
+              <a:t>，</a:t>
+            </a:r>
+            <a:r>
+              <a:rPr lang="en-US" altLang="ja-JP" sz="4000" dirty="0" smtClean="0"/>
+              <a:t>FOX</a:t>
+            </a:r>
+            <a:r>
+              <a:rPr lang="ja-JP" altLang="en-US" sz="4000" dirty="0" smtClean="0"/>
+              <a:t> </a:t>
+            </a:r>
+            <a:r>
+              <a:rPr lang="en-US" altLang="ja-JP" sz="4000" dirty="0" smtClean="0"/>
+              <a:t>ENGINE</a:t>
+            </a:r>
+            <a:r>
+              <a:rPr lang="ja-JP" altLang="en-US" sz="4000" dirty="0" err="1" smtClean="0"/>
+              <a:t>，</a:t>
+            </a:r>
+            <a:r>
+              <a:rPr lang="en-US" altLang="ja-JP" sz="4000" dirty="0" smtClean="0"/>
+              <a:t>Frostbite</a:t>
+            </a:r>
+            <a:r>
+              <a:rPr lang="ja-JP" altLang="en-US" sz="4000" dirty="0" err="1" smtClean="0"/>
+              <a:t>，</a:t>
+            </a:r>
+            <a:r>
+              <a:rPr lang="en-US" altLang="ja-JP" sz="4000" dirty="0" err="1" smtClean="0"/>
+              <a:t>PhyreEngine</a:t>
+            </a:r>
+            <a:r>
+              <a:rPr lang="ja-JP" altLang="en-US" sz="4000" dirty="0" err="1" smtClean="0"/>
+              <a:t>，</a:t>
+            </a:r>
+            <a:r>
+              <a:rPr lang="en-US" altLang="ja-JP" sz="4000" dirty="0" smtClean="0"/>
+              <a:t>Unity</a:t>
+            </a:r>
+            <a:r>
+              <a:rPr lang="ja-JP" altLang="en-US" sz="4000" dirty="0" err="1" smtClean="0"/>
+              <a:t>，</a:t>
+            </a:r>
+            <a:r>
+              <a:rPr lang="en-US" altLang="ja-JP" sz="4000" dirty="0" smtClean="0"/>
+              <a:t>UNREAL </a:t>
+            </a:r>
+            <a:r>
+              <a:rPr lang="en-US" altLang="ja-JP" sz="4000" dirty="0" smtClean="0"/>
+              <a:t>ENGINE</a:t>
+            </a:r>
+            <a:r>
+              <a:rPr lang="ja-JP" altLang="en-US" sz="4000" dirty="0" smtClean="0"/>
+              <a:t>）</a:t>
+            </a:r>
             <a:r>
               <a:rPr kumimoji="1" lang="ja-JP" altLang="en-US" sz="4000" dirty="0" smtClean="0"/>
-              <a:t>各</a:t>
+              <a:t>の画像を各</a:t>
             </a:r>
             <a:r>
               <a:rPr kumimoji="1" lang="en-US" altLang="ja-JP" sz="4000" dirty="0" smtClean="0"/>
@@ -6803,8 +6842,8 @@
         </p:nvSpPr>
         <p:spPr>
           <a:xfrm>
-            <a:off x="10239956" y="24638198"/>
-            <a:ext cx="7163299" cy="1323439"/>
+            <a:off x="10560284" y="25750038"/>
+            <a:ext cx="10325872" cy="1938992"/>
           </a:xfrm>
           <a:prstGeom prst="rect">
             <a:avLst/>
@@ -6824,7 +6863,7 @@
           <a:p>
             <a:r>
               <a:rPr lang="en-US" altLang="ja-JP" sz="4000" dirty="0" err="1" smtClean="0"/>
-              <a:t>Tensorflow</a:t>
+              <a:t>TensorFlow</a:t>
             </a:r>
             <a:r>
               <a:rPr lang="ja-JP" altLang="en-US" sz="4000" dirty="0" smtClean="0"/>
@@ -6832,7 +6871,11 @@
             </a:r>
             <a:r>
               <a:rPr kumimoji="1" lang="en-US" altLang="ja-JP" sz="4000" dirty="0" err="1" smtClean="0"/>
-              <a:t>Opencv</a:t>
+              <a:t>OpenCV</a:t>
+            </a:r>
+            <a:r>
+              <a:rPr lang="ja-JP" altLang="en-US" sz="4000" dirty="0" smtClean="0"/>
+              <a:t>（ここでは画像サイズのリサイズで使用する）</a:t>
             </a:r>
             <a:r>
               <a:rPr kumimoji="1" lang="ja-JP" altLang="en-US" sz="4000" dirty="0" smtClean="0"/>
@@ -6850,8 +6893,8 @@
         </p:nvSpPr>
         <p:spPr>
           <a:xfrm>
-            <a:off x="10239957" y="20609111"/>
-            <a:ext cx="7163299" cy="1323439"/>
+            <a:off x="10637001" y="21472539"/>
+            <a:ext cx="10218156" cy="707886"/>
           </a:xfrm>
           <a:prstGeom prst="rect">
             <a:avLst/>
@@ -6875,31 +6918,7 @@
             </a:r>
             <a:r>
               <a:rPr lang="ja-JP" altLang="en-US" sz="4000" dirty="0" smtClean="0"/>
-              <a:t>データ</a:t>
-            </a:r>
-            <a:r>
-              <a:rPr lang="en-US" altLang="ja-JP" sz="4000" dirty="0" smtClean="0"/>
-              <a:t>(0</a:t>
-            </a:r>
-            <a:r>
-              <a:rPr lang="ja-JP" altLang="en-US" sz="4000" dirty="0" smtClean="0"/>
-              <a:t>～</a:t>
-            </a:r>
-            <a:r>
-              <a:rPr lang="en-US" altLang="ja-JP" sz="4000" dirty="0" smtClean="0"/>
-              <a:t>9</a:t>
-            </a:r>
-            <a:r>
-              <a:rPr lang="ja-JP" altLang="en-US" sz="4000" dirty="0" smtClean="0"/>
-              <a:t>の手書きの数字の画像データ</a:t>
-            </a:r>
-            <a:r>
-              <a:rPr lang="en-US" altLang="ja-JP" sz="4000" dirty="0" smtClean="0"/>
-              <a:t>)</a:t>
-            </a:r>
-            <a:r>
-              <a:rPr lang="ja-JP" altLang="en-US" sz="4000" dirty="0" smtClean="0"/>
-              <a:t>の画像学習</a:t>
+              <a:t>データの画像学習</a:t>
             </a:r>
             <a:endParaRPr kumimoji="1" lang="en-US" altLang="ja-JP" sz="4000" dirty="0" smtClean="0"/>
           </a:p>
@@ -6907,19 +6926,65 @@
       </p:sp>
       <p:sp>
         <p:nvSpPr>
-          <p:cNvPr id="217" name="下カーブ矢印 216"/>
+          <p:cNvPr id="221" name="テキスト ボックス 220"/>
+          <p:cNvSpPr txBox="1"/>
+          <p:nvPr/>
+        </p:nvSpPr>
+        <p:spPr>
+          <a:xfrm>
+            <a:off x="3606200" y="15010228"/>
+            <a:ext cx="16167700" cy="2246769"/>
+          </a:xfrm>
+          <a:prstGeom prst="rect">
+            <a:avLst/>
+          </a:prstGeom>
+          <a:noFill/>
+          <a:ln w="50800">
+            <a:solidFill>
+              <a:srgbClr val="E4BA51"/>
+            </a:solidFill>
+          </a:ln>
+        </p:spPr>
+        <p:txBody>
+          <a:bodyPr wrap="square" rtlCol="0">
+            <a:spAutoFit/>
+          </a:bodyPr>
+          <a:lstStyle/>
+          <a:p>
+            <a:r>
+              <a:rPr kumimoji="1" lang="en-US" altLang="ja-JP" sz="6000" dirty="0" err="1" smtClean="0"/>
+              <a:t>TensorFlow</a:t>
+            </a:r>
+            <a:endParaRPr kumimoji="1" lang="en-US" altLang="ja-JP" sz="6000" dirty="0" smtClean="0"/>
+          </a:p>
+          <a:p>
+            <a:r>
+              <a:rPr kumimoji="1" lang="en-US" altLang="ja-JP" sz="4000" dirty="0" smtClean="0"/>
+              <a:t>Google</a:t>
+            </a:r>
+            <a:r>
+              <a:rPr kumimoji="1" lang="ja-JP" altLang="en-US" sz="4000" dirty="0" smtClean="0"/>
+              <a:t>が開発しオープンソースとして公開したディープラーニングのフレームワーク</a:t>
+            </a:r>
+            <a:endParaRPr kumimoji="1" lang="en-US" altLang="ja-JP" sz="4000" dirty="0" smtClean="0"/>
+          </a:p>
+        </p:txBody>
+      </p:sp>
+      <p:sp>
+        <p:nvSpPr>
+          <p:cNvPr id="4" name="楕円 3"/>
           <p:cNvSpPr/>
           <p:nvPr/>
         </p:nvSpPr>
         <p:spPr>
-          <a:xfrm rot="5400000">
-            <a:off x="7163334" y="21284519"/>
-            <a:ext cx="2011304" cy="1768623"/>
+          <a:xfrm>
+            <a:off x="963882" y="21233881"/>
+            <a:ext cx="900744" cy="906665"/>
           </a:xfrm>
-          <a:prstGeom prst="curvedDownArrow">
+          <a:prstGeom prst="ellipse">
             <a:avLst/>
           </a:prstGeom>
-          <a:pattFill prst="pct75">
+          <a:pattFill prst="pct60">
             <a:fgClr>
               <a:srgbClr val="E4BA51"/>
             </a:fgClr>
@@ -6928,9 +6993,7 @@
             </a:bgClr>
           </a:pattFill>
           <a:ln>
-            <a:solidFill>
-              <a:srgbClr val="E4BA51"/>
-            </a:solidFill>
+            <a:noFill/>
           </a:ln>
         </p:spPr>
         <p:style>
@@ -6954,7 +7017,15 @@
           <a:lstStyle/>
           <a:p>
             <a:pPr algn="ctr"/>
-            <a:endParaRPr kumimoji="1" lang="ja-JP" altLang="en-US">
+            <a:r>
+              <a:rPr kumimoji="1" lang="en-US" altLang="ja-JP" sz="6000" dirty="0" smtClean="0">
+                <a:solidFill>
+                  <a:schemeClr val="tx1"/>
+                </a:solidFill>
+              </a:rPr>
+              <a:t>1</a:t>
+            </a:r>
+            <a:endParaRPr kumimoji="1" lang="ja-JP" altLang="en-US" sz="6000" dirty="0">
               <a:solidFill>
                 <a:schemeClr val="tx1"/>
               </a:solidFill>
@@ -6964,19 +7035,19 @@
       </p:sp>
       <p:sp>
         <p:nvSpPr>
-          <p:cNvPr id="218" name="下カーブ矢印 217"/>
+          <p:cNvPr id="114" name="楕円 113"/>
           <p:cNvSpPr/>
           <p:nvPr/>
         </p:nvSpPr>
         <p:spPr>
-          <a:xfrm rot="5400000">
-            <a:off x="7315734" y="24101387"/>
-            <a:ext cx="2011304" cy="1768623"/>
+          <a:xfrm>
+            <a:off x="963882" y="22918719"/>
+            <a:ext cx="900744" cy="906665"/>
           </a:xfrm>
-          <a:prstGeom prst="curvedDownArrow">
+          <a:prstGeom prst="ellipse">
             <a:avLst/>
           </a:prstGeom>
-          <a:pattFill prst="pct75">
+          <a:pattFill prst="pct60">
             <a:fgClr>
               <a:srgbClr val="E4BA51"/>
             </a:fgClr>
@@ -6985,9 +7056,7 @@
             </a:bgClr>
           </a:pattFill>
           <a:ln>
-            <a:solidFill>
-              <a:srgbClr val="E4BA51"/>
-            </a:solidFill>
+            <a:noFill/>
           </a:ln>
         </p:spPr>
         <p:style>
@@ -7011,7 +7080,15 @@
           <a:lstStyle/>
           <a:p>
             <a:pPr algn="ctr"/>
-            <a:endParaRPr kumimoji="1" lang="ja-JP" altLang="en-US">
+            <a:r>
+              <a:rPr lang="en-US" altLang="ja-JP" sz="6000" dirty="0">
+                <a:solidFill>
+                  <a:schemeClr val="tx1"/>
+                </a:solidFill>
+              </a:rPr>
+              <a:t>2</a:t>
+            </a:r>
+            <a:endParaRPr kumimoji="1" lang="ja-JP" altLang="en-US" sz="6000" dirty="0">
               <a:solidFill>
                 <a:schemeClr val="tx1"/>
               </a:solidFill>
@@ -7021,19 +7098,19 @@
       </p:sp>
       <p:sp>
         <p:nvSpPr>
-          <p:cNvPr id="219" name="下カーブ矢印 218"/>
+          <p:cNvPr id="115" name="楕円 114"/>
           <p:cNvSpPr/>
           <p:nvPr/>
         </p:nvSpPr>
         <p:spPr>
-          <a:xfrm rot="5400000">
-            <a:off x="17749810" y="24105416"/>
-            <a:ext cx="2011304" cy="1768623"/>
+          <a:xfrm>
+            <a:off x="963882" y="25158831"/>
+            <a:ext cx="900744" cy="906665"/>
           </a:xfrm>
-          <a:prstGeom prst="curvedDownArrow">
+          <a:prstGeom prst="ellipse">
             <a:avLst/>
           </a:prstGeom>
-          <a:pattFill prst="pct75">
+          <a:pattFill prst="pct60">
             <a:fgClr>
               <a:srgbClr val="E4BA51"/>
             </a:fgClr>
@@ -7042,9 +7119,7 @@
             </a:bgClr>
           </a:pattFill>
           <a:ln>
-            <a:solidFill>
-              <a:srgbClr val="E4BA51"/>
-            </a:solidFill>
+            <a:noFill/>
           </a:ln>
         </p:spPr>
         <p:style>
@@ -7068,7 +7143,15 @@
           <a:lstStyle/>
           <a:p>
             <a:pPr algn="ctr"/>
-            <a:endParaRPr kumimoji="1" lang="ja-JP" altLang="en-US">
+            <a:r>
+              <a:rPr lang="en-US" altLang="ja-JP" sz="6000" dirty="0">
+                <a:solidFill>
+                  <a:schemeClr val="tx1"/>
+                </a:solidFill>
+              </a:rPr>
+              <a:t>3</a:t>
+            </a:r>
+            <a:endParaRPr kumimoji="1" lang="ja-JP" altLang="en-US" sz="6000" dirty="0">
               <a:solidFill>
                 <a:schemeClr val="tx1"/>
               </a:solidFill>
@@ -7078,19 +7161,19 @@
       </p:sp>
       <p:sp>
         <p:nvSpPr>
-          <p:cNvPr id="220" name="下カーブ矢印 219"/>
+          <p:cNvPr id="116" name="楕円 115"/>
           <p:cNvSpPr/>
           <p:nvPr/>
         </p:nvSpPr>
         <p:spPr>
-          <a:xfrm rot="5400000">
-            <a:off x="17749810" y="21288645"/>
-            <a:ext cx="2011304" cy="1768623"/>
+          <a:xfrm>
+            <a:off x="9339213" y="21141207"/>
+            <a:ext cx="900744" cy="906665"/>
           </a:xfrm>
-          <a:prstGeom prst="curvedDownArrow">
+          <a:prstGeom prst="ellipse">
             <a:avLst/>
           </a:prstGeom>
-          <a:pattFill prst="pct75">
+          <a:pattFill prst="pct60">
             <a:fgClr>
               <a:srgbClr val="E4BA51"/>
             </a:fgClr>
@@ -7099,9 +7182,7 @@
             </a:bgClr>
           </a:pattFill>
           <a:ln>
-            <a:solidFill>
-              <a:srgbClr val="E4BA51"/>
-            </a:solidFill>
+            <a:noFill/>
           </a:ln>
         </p:spPr>
         <p:style>
@@ -7125,7 +7206,15 @@
           <a:lstStyle/>
           <a:p>
             <a:pPr algn="ctr"/>
-            <a:endParaRPr kumimoji="1" lang="ja-JP" altLang="en-US">
+            <a:r>
+              <a:rPr kumimoji="1" lang="en-US" altLang="ja-JP" sz="6000" dirty="0" smtClean="0">
+                <a:solidFill>
+                  <a:schemeClr val="tx1"/>
+                </a:solidFill>
+              </a:rPr>
+              <a:t>1</a:t>
+            </a:r>
+            <a:endParaRPr kumimoji="1" lang="ja-JP" altLang="en-US" sz="6000" dirty="0">
               <a:solidFill>
                 <a:schemeClr val="tx1"/>
               </a:solidFill>
@@ -7135,14 +7224,140 @@
       </p:sp>
       <p:sp>
         <p:nvSpPr>
-          <p:cNvPr id="221" name="テキスト ボックス 220"/>
+          <p:cNvPr id="117" name="楕円 116"/>
+          <p:cNvSpPr/>
+          <p:nvPr/>
+        </p:nvSpPr>
+        <p:spPr>
+          <a:xfrm>
+            <a:off x="9307905" y="22518310"/>
+            <a:ext cx="900744" cy="906665"/>
+          </a:xfrm>
+          <a:prstGeom prst="ellipse">
+            <a:avLst/>
+          </a:prstGeom>
+          <a:pattFill prst="pct60">
+            <a:fgClr>
+              <a:srgbClr val="E4BA51"/>
+            </a:fgClr>
+            <a:bgClr>
+              <a:schemeClr val="bg1"/>
+            </a:bgClr>
+          </a:pattFill>
+          <a:ln>
+            <a:noFill/>
+          </a:ln>
+        </p:spPr>
+        <p:style>
+          <a:lnRef idx="2">
+            <a:schemeClr val="accent1">
+              <a:shade val="50000"/>
+            </a:schemeClr>
+          </a:lnRef>
+          <a:fillRef idx="1">
+            <a:schemeClr val="accent1"/>
+          </a:fillRef>
+          <a:effectRef idx="0">
+            <a:schemeClr val="accent1"/>
+          </a:effectRef>
+          <a:fontRef idx="minor">
+            <a:schemeClr val="lt1"/>
+          </a:fontRef>
+        </p:style>
+        <p:txBody>
+          <a:bodyPr rtlCol="0" anchor="ctr"/>
+          <a:lstStyle/>
+          <a:p>
+            <a:pPr algn="ctr"/>
+            <a:r>
+              <a:rPr lang="en-US" altLang="ja-JP" sz="6000" dirty="0">
+                <a:solidFill>
+                  <a:schemeClr val="tx1"/>
+                </a:solidFill>
+              </a:rPr>
+              <a:t>2</a:t>
+            </a:r>
+            <a:endParaRPr kumimoji="1" lang="ja-JP" altLang="en-US" sz="6000" dirty="0">
+              <a:solidFill>
+                <a:schemeClr val="tx1"/>
+              </a:solidFill>
+            </a:endParaRPr>
+          </a:p>
+        </p:txBody>
+      </p:sp>
+      <p:sp>
+        <p:nvSpPr>
+          <p:cNvPr id="118" name="楕円 117"/>
+          <p:cNvSpPr/>
+          <p:nvPr/>
+        </p:nvSpPr>
+        <p:spPr>
+          <a:xfrm>
+            <a:off x="9307905" y="25373309"/>
+            <a:ext cx="900744" cy="906665"/>
+          </a:xfrm>
+          <a:prstGeom prst="ellipse">
+            <a:avLst/>
+          </a:prstGeom>
+          <a:pattFill prst="pct60">
+            <a:fgClr>
+              <a:srgbClr val="E4BA51"/>
+            </a:fgClr>
+            <a:bgClr>
+              <a:schemeClr val="bg1"/>
+            </a:bgClr>
+          </a:pattFill>
+          <a:ln>
+            <a:noFill/>
+          </a:ln>
+        </p:spPr>
+        <p:style>
+          <a:lnRef idx="2">
+            <a:schemeClr val="accent1">
+              <a:shade val="50000"/>
+            </a:schemeClr>
+          </a:lnRef>
+          <a:fillRef idx="1">
+            <a:schemeClr val="accent1"/>
+          </a:fillRef>
+          <a:effectRef idx="0">
+            <a:schemeClr val="accent1"/>
+          </a:effectRef>
+          <a:fontRef idx="minor">
+            <a:schemeClr val="lt1"/>
+          </a:fontRef>
+        </p:style>
+        <p:txBody>
+          <a:bodyPr rtlCol="0" anchor="ctr"/>
+          <a:lstStyle/>
+          <a:p>
+            <a:pPr algn="ctr"/>
+            <a:r>
+              <a:rPr lang="en-US" altLang="ja-JP" sz="6000" dirty="0">
+                <a:solidFill>
+                  <a:schemeClr val="tx1"/>
+                </a:solidFill>
+              </a:rPr>
+              <a:t>3</a:t>
+            </a:r>
+            <a:endParaRPr kumimoji="1" lang="ja-JP" altLang="en-US" sz="6000" dirty="0">
+              <a:solidFill>
+                <a:schemeClr val="tx1"/>
+              </a:solidFill>
+            </a:endParaRPr>
+          </a:p>
+        </p:txBody>
+      </p:sp>
+      <p:sp>
+        <p:nvSpPr>
+          <p:cNvPr id="119" name="テキスト ボックス 118"/>
           <p:cNvSpPr txBox="1"/>
           <p:nvPr/>
         </p:nvSpPr>
         <p:spPr>
           <a:xfrm>
-            <a:off x="3408340" y="15938460"/>
-            <a:ext cx="16622292" cy="2246769"/>
+            <a:off x="216137" y="17656521"/>
+            <a:ext cx="11947008" cy="2000548"/>
           </a:xfrm>
           <a:prstGeom prst="rect">
             <a:avLst/>
@@ -7161,21 +7376,93 @@
           <a:lstStyle/>
           <a:p>
             <a:r>
-              <a:rPr kumimoji="1" lang="en-US" altLang="ja-JP" sz="6000" dirty="0" err="1" smtClean="0"/>
-              <a:t>TensorFlow</a:t>
-            </a:r>
-            <a:endParaRPr kumimoji="1" lang="en-US" altLang="ja-JP" sz="6000" dirty="0" smtClean="0"/>
-          </a:p>
-          <a:p>
-            <a:r>
-              <a:rPr kumimoji="1" lang="en-US" altLang="ja-JP" sz="4000" dirty="0" smtClean="0"/>
-              <a:t>Google</a:t>
-            </a:r>
-            <a:r>
-              <a:rPr kumimoji="1" lang="ja-JP" altLang="en-US" sz="4000" dirty="0" smtClean="0"/>
-              <a:t>が開発しオープンソースとして公開したディープラーニングのフレームワーク</a:t>
-            </a:r>
-            <a:endParaRPr kumimoji="1" lang="en-US" altLang="ja-JP" sz="4000" dirty="0" smtClean="0"/>
+              <a:rPr lang="en-US" altLang="ja-JP" sz="6000" dirty="0" smtClean="0"/>
+              <a:t>MNIST</a:t>
+            </a:r>
+          </a:p>
+          <a:p>
+            <a:r>
+              <a:rPr lang="ja-JP" altLang="en-US" sz="3200" dirty="0" smtClean="0"/>
+              <a:t>手書き</a:t>
+            </a:r>
+            <a:r>
+              <a:rPr lang="ja-JP" altLang="en-US" sz="3200" dirty="0"/>
+              <a:t>の数字「０～９」に正解ラベルが与えられて</a:t>
+            </a:r>
+            <a:r>
+              <a:rPr lang="ja-JP" altLang="en-US" sz="3200" dirty="0" smtClean="0"/>
+              <a:t>いる容量の小さいデータセット</a:t>
+            </a:r>
+            <a:endParaRPr lang="en-US" altLang="ja-JP" sz="3200" dirty="0" smtClean="0"/>
+          </a:p>
+        </p:txBody>
+      </p:sp>
+      <p:pic>
+        <p:nvPicPr>
+          <p:cNvPr id="2" name="図 1"/>
+          <p:cNvPicPr>
+            <a:picLocks noChangeAspect="1"/>
+          </p:cNvPicPr>
+          <p:nvPr/>
+        </p:nvPicPr>
+        <p:blipFill>
+          <a:blip r:embed="rId8">
+            <a:extLst>
+              <a:ext uri="{28A0092B-C50C-407E-A947-70E740481C1C}">
+                <a14:useLocalDpi xmlns:a14="http://schemas.microsoft.com/office/drawing/2010/main" val="0"/>
+              </a:ext>
+            </a:extLst>
+          </a:blip>
+          <a:stretch>
+            <a:fillRect/>
+          </a:stretch>
+        </p:blipFill>
+        <p:spPr>
+          <a:xfrm>
+            <a:off x="13504542" y="17702199"/>
+            <a:ext cx="6057900" cy="1514475"/>
+          </a:xfrm>
+          <a:prstGeom prst="rect">
+            <a:avLst/>
+          </a:prstGeom>
+        </p:spPr>
+      </p:pic>
+      <p:sp>
+        <p:nvSpPr>
+          <p:cNvPr id="3" name="テキスト ボックス 2"/>
+          <p:cNvSpPr txBox="1"/>
+          <p:nvPr/>
+        </p:nvSpPr>
+        <p:spPr>
+          <a:xfrm>
+            <a:off x="13076904" y="19273092"/>
+            <a:ext cx="6942038" cy="523220"/>
+          </a:xfrm>
+          <a:prstGeom prst="rect">
+            <a:avLst/>
+          </a:prstGeom>
+          <a:noFill/>
+        </p:spPr>
+        <p:txBody>
+          <a:bodyPr wrap="square" rtlCol="0">
+            <a:spAutoFit/>
+          </a:bodyPr>
+          <a:lstStyle/>
+          <a:p>
+            <a:pPr algn="ctr"/>
+            <a:r>
+              <a:rPr kumimoji="1" lang="ja-JP" altLang="en-US" sz="2800" dirty="0" smtClean="0"/>
+              <a:t>（</a:t>
+            </a:r>
+            <a:r>
+              <a:rPr kumimoji="1" lang="en-US" altLang="ja-JP" sz="2800" dirty="0" smtClean="0"/>
+              <a:t>28×28</a:t>
+            </a:r>
+            <a:r>
+              <a:rPr kumimoji="1" lang="ja-JP" altLang="en-US" sz="2800" dirty="0" smtClean="0"/>
+              <a:t>ピクセルの画像）</a:t>
+            </a:r>
+            <a:endParaRPr kumimoji="1" lang="ja-JP" altLang="en-US" sz="2800" dirty="0"/>
           </a:p>
         </p:txBody>
       </p:sp>

--- a/課題研究/2016/川辺明俊/最終発表/1442045 川辺明俊 ポスター.pptx
+++ b/課題研究/2016/川辺明俊/最終発表/1442045 川辺明俊 ポスター.pptx
@@ -252,7 +252,7 @@
           <a:p>
             <a:fld id="{249F5CDE-9CD6-4091-AE13-B1A6AD99E2FB}" type="datetimeFigureOut">
               <a:rPr kumimoji="1" lang="ja-JP" altLang="en-US" smtClean="0"/>
-              <a:t>2016/12/9</a:t>
+              <a:t>2016/12/15</a:t>
             </a:fld>
             <a:endParaRPr kumimoji="1" lang="ja-JP" altLang="en-US"/>
           </a:p>
@@ -454,7 +454,7 @@
           <a:p>
             <a:fld id="{249F5CDE-9CD6-4091-AE13-B1A6AD99E2FB}" type="datetimeFigureOut">
               <a:rPr kumimoji="1" lang="ja-JP" altLang="en-US" smtClean="0"/>
-              <a:t>2016/12/9</a:t>
+              <a:t>2016/12/15</a:t>
             </a:fld>
             <a:endParaRPr kumimoji="1" lang="ja-JP" altLang="en-US"/>
           </a:p>
@@ -666,7 +666,7 @@
           <a:p>
             <a:fld id="{249F5CDE-9CD6-4091-AE13-B1A6AD99E2FB}" type="datetimeFigureOut">
               <a:rPr kumimoji="1" lang="ja-JP" altLang="en-US" smtClean="0"/>
-              <a:t>2016/12/9</a:t>
+              <a:t>2016/12/15</a:t>
             </a:fld>
             <a:endParaRPr kumimoji="1" lang="ja-JP" altLang="en-US"/>
           </a:p>
@@ -868,7 +868,7 @@
           <a:p>
             <a:fld id="{249F5CDE-9CD6-4091-AE13-B1A6AD99E2FB}" type="datetimeFigureOut">
               <a:rPr kumimoji="1" lang="ja-JP" altLang="en-US" smtClean="0"/>
-              <a:t>2016/12/9</a:t>
+              <a:t>2016/12/15</a:t>
             </a:fld>
             <a:endParaRPr kumimoji="1" lang="ja-JP" altLang="en-US"/>
           </a:p>
@@ -1112,7 +1112,7 @@
           <a:p>
             <a:fld id="{249F5CDE-9CD6-4091-AE13-B1A6AD99E2FB}" type="datetimeFigureOut">
               <a:rPr kumimoji="1" lang="ja-JP" altLang="en-US" smtClean="0"/>
-              <a:t>2016/12/9</a:t>
+              <a:t>2016/12/15</a:t>
             </a:fld>
             <a:endParaRPr kumimoji="1" lang="ja-JP" altLang="en-US"/>
           </a:p>
@@ -1408,7 +1408,7 @@
           <a:p>
             <a:fld id="{249F5CDE-9CD6-4091-AE13-B1A6AD99E2FB}" type="datetimeFigureOut">
               <a:rPr kumimoji="1" lang="ja-JP" altLang="en-US" smtClean="0"/>
-              <a:t>2016/12/9</a:t>
+              <a:t>2016/12/15</a:t>
             </a:fld>
             <a:endParaRPr kumimoji="1" lang="ja-JP" altLang="en-US"/>
           </a:p>
@@ -1839,7 +1839,7 @@
           <a:p>
             <a:fld id="{249F5CDE-9CD6-4091-AE13-B1A6AD99E2FB}" type="datetimeFigureOut">
               <a:rPr kumimoji="1" lang="ja-JP" altLang="en-US" smtClean="0"/>
-              <a:t>2016/12/9</a:t>
+              <a:t>2016/12/15</a:t>
             </a:fld>
             <a:endParaRPr kumimoji="1" lang="ja-JP" altLang="en-US"/>
           </a:p>
@@ -1957,7 +1957,7 @@
           <a:p>
             <a:fld id="{249F5CDE-9CD6-4091-AE13-B1A6AD99E2FB}" type="datetimeFigureOut">
               <a:rPr kumimoji="1" lang="ja-JP" altLang="en-US" smtClean="0"/>
-              <a:t>2016/12/9</a:t>
+              <a:t>2016/12/15</a:t>
             </a:fld>
             <a:endParaRPr kumimoji="1" lang="ja-JP" altLang="en-US"/>
           </a:p>
@@ -2052,7 +2052,7 @@
           <a:p>
             <a:fld id="{249F5CDE-9CD6-4091-AE13-B1A6AD99E2FB}" type="datetimeFigureOut">
               <a:rPr kumimoji="1" lang="ja-JP" altLang="en-US" smtClean="0"/>
-              <a:t>2016/12/9</a:t>
+              <a:t>2016/12/15</a:t>
             </a:fld>
             <a:endParaRPr kumimoji="1" lang="ja-JP" altLang="en-US"/>
           </a:p>
@@ -2361,7 +2361,7 @@
           <a:p>
             <a:fld id="{249F5CDE-9CD6-4091-AE13-B1A6AD99E2FB}" type="datetimeFigureOut">
               <a:rPr kumimoji="1" lang="ja-JP" altLang="en-US" smtClean="0"/>
-              <a:t>2016/12/9</a:t>
+              <a:t>2016/12/15</a:t>
             </a:fld>
             <a:endParaRPr kumimoji="1" lang="ja-JP" altLang="en-US"/>
           </a:p>
@@ -2618,7 +2618,7 @@
           <a:p>
             <a:fld id="{249F5CDE-9CD6-4091-AE13-B1A6AD99E2FB}" type="datetimeFigureOut">
               <a:rPr kumimoji="1" lang="ja-JP" altLang="en-US" smtClean="0"/>
-              <a:t>2016/12/9</a:t>
+              <a:t>2016/12/15</a:t>
             </a:fld>
             <a:endParaRPr kumimoji="1" lang="ja-JP" altLang="en-US"/>
           </a:p>
@@ -2683,9 +2683,12 @@
 <p:sldMaster xmlns:a="http://schemas.openxmlformats.org/drawingml/2006/main" xmlns:r="http://schemas.openxmlformats.org/officeDocument/2006/relationships" xmlns:p="http://schemas.openxmlformats.org/presentationml/2006/main">
   <p:cSld>
     <p:bg>
-      <p:bgRef idx="1001">
-        <a:schemeClr val="bg1"/>
-      </p:bgRef>
+      <p:bgPr>
+        <a:solidFill>
+          <a:schemeClr val="bg1"/>
+        </a:solidFill>
+        <a:effectLst/>
+      </p:bgPr>
     </p:bg>
     <p:spTree>
       <p:nvGrpSpPr>
@@ -2863,7 +2866,7 @@
           <a:p>
             <a:fld id="{249F5CDE-9CD6-4091-AE13-B1A6AD99E2FB}" type="datetimeFigureOut">
               <a:rPr kumimoji="1" lang="ja-JP" altLang="en-US" smtClean="0"/>
-              <a:t>2016/12/9</a:t>
+              <a:t>2016/12/15</a:t>
             </a:fld>
             <a:endParaRPr kumimoji="1" lang="ja-JP" altLang="en-US"/>
           </a:p>
@@ -3256,14 +3259,9 @@
   <p:cSld>
     <p:bg>
       <p:bgPr>
-        <a:pattFill prst="pct30">
-          <a:fgClr>
-            <a:srgbClr val="FFE59B"/>
-          </a:fgClr>
-          <a:bgClr>
-            <a:schemeClr val="bg1"/>
-          </a:bgClr>
-        </a:pattFill>
+        <a:solidFill>
+          <a:schemeClr val="bg1"/>
+        </a:solidFill>
         <a:effectLst/>
       </p:bgPr>
     </p:bg>
@@ -3283,14 +3281,62 @@
       </p:grpSpPr>
       <p:sp>
         <p:nvSpPr>
+          <p:cNvPr id="221" name="テキスト ボックス 220"/>
+          <p:cNvSpPr txBox="1"/>
+          <p:nvPr/>
+        </p:nvSpPr>
+        <p:spPr>
+          <a:xfrm>
+            <a:off x="3940784" y="15517967"/>
+            <a:ext cx="16167700" cy="2246769"/>
+          </a:xfrm>
+          <a:prstGeom prst="rect">
+            <a:avLst/>
+          </a:prstGeom>
+          <a:solidFill>
+            <a:schemeClr val="bg1"/>
+          </a:solidFill>
+          <a:ln w="50800">
+            <a:solidFill>
+              <a:srgbClr val="E4BA51"/>
+            </a:solidFill>
+          </a:ln>
+        </p:spPr>
+        <p:txBody>
+          <a:bodyPr wrap="square" rtlCol="0">
+            <a:spAutoFit/>
+          </a:bodyPr>
+          <a:lstStyle/>
+          <a:p>
+            <a:r>
+              <a:rPr kumimoji="1" lang="en-US" altLang="ja-JP" sz="6000" dirty="0" err="1" smtClean="0"/>
+              <a:t>TensorFlow</a:t>
+            </a:r>
+            <a:endParaRPr kumimoji="1" lang="en-US" altLang="ja-JP" sz="6000" dirty="0" smtClean="0"/>
+          </a:p>
+          <a:p>
+            <a:r>
+              <a:rPr kumimoji="1" lang="en-US" altLang="ja-JP" sz="4000" dirty="0" smtClean="0"/>
+              <a:t>Google</a:t>
+            </a:r>
+            <a:r>
+              <a:rPr kumimoji="1" lang="ja-JP" altLang="en-US" sz="4000" dirty="0" smtClean="0"/>
+              <a:t>が開発しオープンソースとして公開したディープラーニングのフレームワーク</a:t>
+            </a:r>
+            <a:endParaRPr kumimoji="1" lang="en-US" altLang="ja-JP" sz="4000" dirty="0" smtClean="0"/>
+          </a:p>
+        </p:txBody>
+      </p:sp>
+      <p:sp>
+        <p:nvSpPr>
           <p:cNvPr id="6" name="テキスト ボックス 5"/>
           <p:cNvSpPr txBox="1"/>
           <p:nvPr/>
         </p:nvSpPr>
         <p:spPr>
           <a:xfrm>
-            <a:off x="237067" y="474133"/>
-            <a:ext cx="20861866" cy="1200329"/>
+            <a:off x="-69481" y="674363"/>
+            <a:ext cx="21386800" cy="830997"/>
           </a:xfrm>
           <a:prstGeom prst="rect">
             <a:avLst/>
@@ -3305,10 +3351,10 @@
           <a:p>
             <a:pPr algn="ctr"/>
             <a:r>
-              <a:rPr kumimoji="1" lang="ja-JP" altLang="en-US" sz="7200" dirty="0" smtClean="0"/>
-              <a:t>ディープラーニングによるゲームエンジン解析</a:t>
-            </a:r>
-            <a:endParaRPr kumimoji="1" lang="ja-JP" altLang="en-US" sz="7200" dirty="0"/>
+              <a:rPr lang="ja-JP" altLang="en-US" sz="4800" dirty="0"/>
+              <a:t>プレイ画像をもとにしたディープラーニングによるゲームエンジン推定</a:t>
+            </a:r>
+            <a:endParaRPr kumimoji="1" lang="ja-JP" altLang="en-US" sz="4800" dirty="0"/>
           </a:p>
         </p:txBody>
       </p:sp>
@@ -3334,8 +3380,8 @@
         </p:blipFill>
         <p:spPr>
           <a:xfrm>
-            <a:off x="175946" y="15481605"/>
-            <a:ext cx="3067050" cy="3067050"/>
+            <a:off x="687889" y="15143025"/>
+            <a:ext cx="2794533" cy="2794533"/>
           </a:xfrm>
           <a:prstGeom prst="rect">
             <a:avLst/>
@@ -3366,7 +3412,7 @@
         </p:nvSpPr>
         <p:spPr>
           <a:xfrm>
-            <a:off x="232487" y="6363005"/>
+            <a:off x="179704" y="6223764"/>
             <a:ext cx="20747030" cy="769441"/>
           </a:xfrm>
           <a:prstGeom prst="rect">
@@ -3382,25 +3428,73 @@
           <a:p>
             <a:r>
               <a:rPr lang="ja-JP" altLang="en-US" sz="4400" dirty="0" smtClean="0"/>
-              <a:t>ニューロン</a:t>
-            </a:r>
-            <a:r>
-              <a:rPr lang="en-US" altLang="ja-JP" sz="4400" dirty="0" smtClean="0"/>
-              <a:t>(</a:t>
+              <a:t>ニューロン（</a:t>
+            </a:r>
+            <a:r>
+              <a:rPr lang="ja-JP" altLang="en-US" sz="4400" smtClean="0"/>
+              <a:t>神経細胞）を</a:t>
             </a:r>
             <a:r>
               <a:rPr lang="ja-JP" altLang="en-US" sz="4400" dirty="0" smtClean="0"/>
-              <a:t>神経細胞</a:t>
-            </a:r>
-            <a:r>
-              <a:rPr lang="en-US" altLang="ja-JP" sz="4400" dirty="0" smtClean="0"/>
-              <a:t>)</a:t>
-            </a:r>
-            <a:r>
-              <a:rPr lang="ja-JP" altLang="en-US" sz="4400" dirty="0" smtClean="0"/>
-              <a:t>を数学的にモデル化したもの</a:t>
+              <a:t>数学的にモデル化したもの</a:t>
             </a:r>
             <a:endParaRPr kumimoji="1" lang="en-US" altLang="ja-JP" sz="4400" dirty="0" smtClean="0"/>
+          </a:p>
+        </p:txBody>
+      </p:sp>
+      <p:sp>
+        <p:nvSpPr>
+          <p:cNvPr id="50" name="円形吹き出し 49"/>
+          <p:cNvSpPr/>
+          <p:nvPr/>
+        </p:nvSpPr>
+        <p:spPr>
+          <a:xfrm>
+            <a:off x="14079583" y="17202958"/>
+            <a:ext cx="6899934" cy="2924611"/>
+          </a:xfrm>
+          <a:prstGeom prst="wedgeEllipseCallout">
+            <a:avLst>
+              <a:gd name="adj1" fmla="val -72653"/>
+              <a:gd name="adj2" fmla="val 40213"/>
+            </a:avLst>
+          </a:prstGeom>
+          <a:pattFill prst="pct75">
+            <a:fgClr>
+              <a:srgbClr val="E4BA51"/>
+            </a:fgClr>
+            <a:bgClr>
+              <a:schemeClr val="bg1"/>
+            </a:bgClr>
+          </a:pattFill>
+          <a:ln>
+            <a:solidFill>
+              <a:srgbClr val="E4BA51"/>
+            </a:solidFill>
+          </a:ln>
+        </p:spPr>
+        <p:style>
+          <a:lnRef idx="2">
+            <a:schemeClr val="accent1">
+              <a:shade val="50000"/>
+            </a:schemeClr>
+          </a:lnRef>
+          <a:fillRef idx="1">
+            <a:schemeClr val="accent1"/>
+          </a:fillRef>
+          <a:effectRef idx="0">
+            <a:schemeClr val="accent1"/>
+          </a:effectRef>
+          <a:fontRef idx="minor">
+            <a:schemeClr val="lt1"/>
+          </a:fontRef>
+        </p:style>
+        <p:txBody>
+          <a:bodyPr rtlCol="0" anchor="ctr"/>
+          <a:lstStyle/>
+          <a:p>
+            <a:pPr algn="ctr"/>
+            <a:endParaRPr kumimoji="1" lang="ja-JP" altLang="en-US"/>
           </a:p>
         </p:txBody>
       </p:sp>
@@ -3412,7 +3506,7 @@
         </p:nvSpPr>
         <p:spPr>
           <a:xfrm>
-            <a:off x="216136" y="10414297"/>
+            <a:off x="216136" y="9836460"/>
             <a:ext cx="4375862" cy="1015663"/>
           </a:xfrm>
           <a:prstGeom prst="rect">
@@ -3464,19 +3558,15 @@
           <a:p>
             <a:r>
               <a:rPr lang="ja-JP" altLang="en-US" sz="4400" dirty="0" smtClean="0"/>
-              <a:t>使用ゲームエンジン情報が少ないことからディープラーニングを使用すること</a:t>
-            </a:r>
-            <a:r>
-              <a:rPr lang="ja-JP" altLang="en-US" sz="4400" smtClean="0"/>
-              <a:t>に</a:t>
-            </a:r>
-            <a:r>
-              <a:rPr lang="ja-JP" altLang="en-US" sz="4400" smtClean="0"/>
-              <a:t>よってゲームエンジンを解析</a:t>
+              <a:t>使用ゲームエンジン情報が少ないの</a:t>
+            </a:r>
+            <a:r>
+              <a:rPr lang="ja-JP" altLang="en-US" sz="4400" dirty="0"/>
+              <a:t>で</a:t>
             </a:r>
             <a:r>
               <a:rPr lang="ja-JP" altLang="en-US" sz="4400" dirty="0" smtClean="0"/>
-              <a:t>できるのではないかと考えた</a:t>
+              <a:t>ディープラーニングを使用することによってゲームエンジンを解析できるのではないかと考えた</a:t>
             </a:r>
             <a:endParaRPr kumimoji="1" lang="ja-JP" altLang="en-US" sz="4400" dirty="0"/>
           </a:p>
@@ -3492,7 +3582,7 @@
         </p:nvCxnSpPr>
         <p:spPr>
           <a:xfrm>
-            <a:off x="17147937" y="7507176"/>
+            <a:off x="17095154" y="7367935"/>
             <a:ext cx="1133940" cy="0"/>
           </a:xfrm>
           <a:prstGeom prst="straightConnector1">
@@ -3528,7 +3618,7 @@
         </p:nvSpPr>
         <p:spPr>
           <a:xfrm>
-            <a:off x="385397" y="14206508"/>
+            <a:off x="385397" y="13628671"/>
             <a:ext cx="3357014" cy="769441"/>
           </a:xfrm>
           <a:prstGeom prst="rect">
@@ -3569,7 +3659,7 @@
         </p:nvSpPr>
         <p:spPr>
           <a:xfrm>
-            <a:off x="5851701" y="9592516"/>
+            <a:off x="5851701" y="9014679"/>
             <a:ext cx="3558265" cy="1855249"/>
           </a:xfrm>
           <a:prstGeom prst="ellipse">
@@ -3648,7 +3738,7 @@
         </p:blipFill>
         <p:spPr>
           <a:xfrm>
-            <a:off x="880390" y="11678367"/>
+            <a:off x="880390" y="11100530"/>
             <a:ext cx="2182034" cy="2182034"/>
           </a:xfrm>
           <a:prstGeom prst="rect">
@@ -3664,7 +3754,7 @@
         </p:nvSpPr>
         <p:spPr>
           <a:xfrm>
-            <a:off x="259711" y="2283533"/>
+            <a:off x="232486" y="2281751"/>
             <a:ext cx="4692584" cy="1015663"/>
           </a:xfrm>
           <a:prstGeom prst="rect">
@@ -3708,8 +3798,8 @@
         </p:nvSpPr>
         <p:spPr>
           <a:xfrm>
-            <a:off x="232487" y="5089157"/>
-            <a:ext cx="11457232" cy="1015663"/>
+            <a:off x="232486" y="5089157"/>
+            <a:ext cx="12856107" cy="1015663"/>
           </a:xfrm>
           <a:prstGeom prst="rect">
             <a:avLst/>
@@ -3734,31 +3824,7 @@
                   <a:prstClr val="black"/>
                 </a:solidFill>
               </a:rPr>
-              <a:t>ディープラーニング</a:t>
-            </a:r>
-            <a:r>
-              <a:rPr lang="en-US" altLang="ja-JP" sz="6000" dirty="0" smtClean="0">
-                <a:solidFill>
-                  <a:prstClr val="black"/>
-                </a:solidFill>
-              </a:rPr>
-              <a:t>(</a:t>
-            </a:r>
-            <a:r>
-              <a:rPr lang="ja-JP" altLang="en-US" sz="6000" dirty="0" smtClean="0">
-                <a:solidFill>
-                  <a:prstClr val="black"/>
-                </a:solidFill>
-              </a:rPr>
-              <a:t>深層学習</a:t>
-            </a:r>
-            <a:r>
-              <a:rPr lang="en-US" altLang="ja-JP" sz="6000" dirty="0" smtClean="0">
-                <a:solidFill>
-                  <a:prstClr val="black"/>
-                </a:solidFill>
-              </a:rPr>
-              <a:t>)</a:t>
+              <a:t>ディープラーニング（深層学習）</a:t>
             </a:r>
             <a:endParaRPr lang="en-US" altLang="ja-JP" sz="6000" dirty="0">
               <a:solidFill>
@@ -3799,7 +3865,7 @@
         </p:blipFill>
         <p:spPr>
           <a:xfrm>
-            <a:off x="16808107" y="11679819"/>
+            <a:off x="16796417" y="11067195"/>
             <a:ext cx="1947355" cy="1947355"/>
           </a:xfrm>
           <a:prstGeom prst="rect">
@@ -3815,7 +3881,7 @@
         </p:nvSpPr>
         <p:spPr>
           <a:xfrm>
-            <a:off x="14698153" y="14037636"/>
+            <a:off x="14686463" y="13425012"/>
             <a:ext cx="5967685" cy="769441"/>
           </a:xfrm>
           <a:prstGeom prst="rect">
@@ -3853,7 +3919,7 @@
         </p:nvSpPr>
         <p:spPr>
           <a:xfrm>
-            <a:off x="12509283" y="2068004"/>
+            <a:off x="11825130" y="2000324"/>
             <a:ext cx="8151618" cy="707886"/>
           </a:xfrm>
           <a:prstGeom prst="rect">
@@ -3892,7 +3958,7 @@
         </p:nvSpPr>
         <p:spPr>
           <a:xfrm>
-            <a:off x="216136" y="18947489"/>
+            <a:off x="698680" y="18463210"/>
             <a:ext cx="4375862" cy="1015663"/>
           </a:xfrm>
           <a:prstGeom prst="rect">
@@ -3932,7 +3998,7 @@
         </p:nvSpPr>
         <p:spPr>
           <a:xfrm>
-            <a:off x="10239957" y="18914482"/>
+            <a:off x="8610390" y="18470991"/>
             <a:ext cx="4375862" cy="1015663"/>
           </a:xfrm>
           <a:prstGeom prst="rect">
@@ -3968,7 +4034,7 @@
         </p:nvSpPr>
         <p:spPr>
           <a:xfrm>
-            <a:off x="259711" y="26713213"/>
+            <a:off x="698680" y="26245351"/>
             <a:ext cx="4375862" cy="1015663"/>
           </a:xfrm>
           <a:prstGeom prst="rect">
@@ -4004,8 +4070,8 @@
         </p:nvSpPr>
         <p:spPr>
           <a:xfrm>
-            <a:off x="232487" y="20370709"/>
-            <a:ext cx="6351707" cy="1323439"/>
+            <a:off x="2149027" y="19956125"/>
+            <a:ext cx="6347925" cy="1323439"/>
           </a:xfrm>
           <a:prstGeom prst="rect">
             <a:avLst/>
@@ -4039,8 +4105,8 @@
         </p:nvSpPr>
         <p:spPr>
           <a:xfrm>
-            <a:off x="207958" y="22055147"/>
-            <a:ext cx="6343532" cy="1938992"/>
+            <a:off x="2153420" y="21824122"/>
+            <a:ext cx="6343532" cy="1323439"/>
           </a:xfrm>
           <a:prstGeom prst="rect">
             <a:avLst/>
@@ -4060,14 +4126,7 @@
           <a:p>
             <a:r>
               <a:rPr kumimoji="1" lang="ja-JP" altLang="en-US" sz="4000" dirty="0" smtClean="0"/>
-              <a:t>収集した画像にゲームエンジン</a:t>
-            </a:r>
-            <a:endParaRPr lang="en-US" altLang="ja-JP" sz="4000" dirty="0" smtClean="0"/>
-          </a:p>
-          <a:p>
-            <a:r>
-              <a:rPr kumimoji="1" lang="ja-JP" altLang="en-US" sz="4000" dirty="0" smtClean="0"/>
-              <a:t>情報のラベル付け</a:t>
+              <a:t>収集した画像にゲームエンジン情報のラベル付け</a:t>
             </a:r>
             <a:endParaRPr kumimoji="1" lang="en-US" altLang="ja-JP" sz="4000" dirty="0" smtClean="0"/>
           </a:p>
@@ -4081,8 +4140,8 @@
         </p:nvSpPr>
         <p:spPr>
           <a:xfrm>
-            <a:off x="232487" y="24467163"/>
-            <a:ext cx="6319003" cy="1938992"/>
+            <a:off x="2149027" y="23786391"/>
+            <a:ext cx="6347925" cy="1938992"/>
           </a:xfrm>
           <a:prstGeom prst="rect">
             <a:avLst/>
@@ -4127,7 +4186,7 @@
         </p:nvSpPr>
         <p:spPr>
           <a:xfrm>
-            <a:off x="3242996" y="12040159"/>
+            <a:off x="3242996" y="11462322"/>
             <a:ext cx="1974660" cy="1247224"/>
           </a:xfrm>
           <a:prstGeom prst="leftArrow">
@@ -4201,7 +4260,7 @@
         </p:blipFill>
         <p:spPr>
           <a:xfrm flipH="1">
-            <a:off x="6090082" y="11812299"/>
+            <a:off x="6090082" y="11234462"/>
             <a:ext cx="1531015" cy="2029677"/>
           </a:xfrm>
           <a:prstGeom prst="rect">
@@ -4217,7 +4276,7 @@
         </p:nvSpPr>
         <p:spPr>
           <a:xfrm>
-            <a:off x="13961020" y="12147224"/>
+            <a:off x="13949330" y="11534600"/>
             <a:ext cx="1974660" cy="1247224"/>
           </a:xfrm>
           <a:prstGeom prst="leftArrow">
@@ -4284,7 +4343,7 @@
         </p:blipFill>
         <p:spPr>
           <a:xfrm>
-            <a:off x="10906560" y="11653261"/>
+            <a:off x="10894870" y="11040637"/>
             <a:ext cx="2182034" cy="2182034"/>
           </a:xfrm>
           <a:prstGeom prst="rect">
@@ -4300,7 +4359,7 @@
         </p:nvSpPr>
         <p:spPr>
           <a:xfrm>
-            <a:off x="10553219" y="14037636"/>
+            <a:off x="10541529" y="13425012"/>
             <a:ext cx="3357014" cy="769441"/>
           </a:xfrm>
           <a:prstGeom prst="rect">
@@ -4341,7 +4400,7 @@
         </p:nvSpPr>
         <p:spPr>
           <a:xfrm>
-            <a:off x="5253376" y="14206509"/>
+            <a:off x="5253376" y="13628672"/>
             <a:ext cx="3357014" cy="769441"/>
           </a:xfrm>
           <a:prstGeom prst="rect">
@@ -4379,7 +4438,7 @@
         </p:nvSpPr>
         <p:spPr>
           <a:xfrm>
-            <a:off x="216136" y="11447765"/>
+            <a:off x="216136" y="10869928"/>
             <a:ext cx="8741887" cy="3880098"/>
           </a:xfrm>
           <a:prstGeom prst="rect">
@@ -4425,7 +4484,7 @@
         </p:nvSpPr>
         <p:spPr>
           <a:xfrm>
-            <a:off x="10239957" y="11449218"/>
+            <a:off x="10228267" y="10836594"/>
             <a:ext cx="10556177" cy="3946869"/>
           </a:xfrm>
           <a:prstGeom prst="rect">
@@ -4471,7 +4530,7 @@
         </p:nvSpPr>
         <p:spPr>
           <a:xfrm>
-            <a:off x="7845507" y="11072765"/>
+            <a:off x="7845507" y="10494928"/>
             <a:ext cx="1180962" cy="839326"/>
           </a:xfrm>
           <a:prstGeom prst="ellipse">
@@ -4524,7 +4583,7 @@
         </p:nvSpPr>
         <p:spPr>
           <a:xfrm>
-            <a:off x="7710703" y="11622477"/>
+            <a:off x="7710703" y="11044640"/>
             <a:ext cx="553283" cy="553215"/>
           </a:xfrm>
           <a:prstGeom prst="ellipse">
@@ -4577,7 +4636,7 @@
         </p:nvSpPr>
         <p:spPr>
           <a:xfrm>
-            <a:off x="17051027" y="9688396"/>
+            <a:off x="17490649" y="9008199"/>
             <a:ext cx="3558265" cy="1855249"/>
           </a:xfrm>
           <a:prstGeom prst="ellipse">
@@ -4642,7 +4701,7 @@
         </p:nvGrpSpPr>
         <p:grpSpPr>
           <a:xfrm>
-            <a:off x="2385828" y="6672231"/>
+            <a:off x="2333045" y="6532990"/>
             <a:ext cx="15946032" cy="4267703"/>
             <a:chOff x="685544" y="6316132"/>
             <a:chExt cx="19756624" cy="5808514"/>
@@ -6601,7 +6660,7 @@
         </p:nvSpPr>
         <p:spPr>
           <a:xfrm>
-            <a:off x="18849670" y="11029554"/>
+            <a:off x="19289292" y="10349357"/>
             <a:ext cx="1180962" cy="839326"/>
           </a:xfrm>
           <a:prstGeom prst="ellipse">
@@ -6654,7 +6713,7 @@
         </p:nvSpPr>
         <p:spPr>
           <a:xfrm>
-            <a:off x="18886868" y="11623929"/>
+            <a:off x="19326490" y="10943732"/>
             <a:ext cx="553283" cy="553215"/>
           </a:xfrm>
           <a:prstGeom prst="ellipse">
@@ -6707,8 +6766,8 @@
         </p:nvSpPr>
         <p:spPr>
           <a:xfrm>
-            <a:off x="207958" y="28248899"/>
-            <a:ext cx="20401190" cy="1446550"/>
+            <a:off x="687889" y="27612613"/>
+            <a:ext cx="20163057" cy="1446550"/>
           </a:xfrm>
           <a:prstGeom prst="rect">
             <a:avLst/>
@@ -6727,15 +6786,35 @@
           <a:lstStyle/>
           <a:p>
             <a:r>
+              <a:rPr kumimoji="1" lang="en-US" altLang="ja-JP" sz="4400" dirty="0" smtClean="0"/>
+              <a:t>1</a:t>
+            </a:r>
+            <a:r>
+              <a:rPr kumimoji="1" lang="ja-JP" altLang="en-US" sz="4400" dirty="0" err="1" smtClean="0"/>
+              <a:t>．</a:t>
+            </a:r>
+            <a:r>
               <a:rPr kumimoji="1" lang="ja-JP" altLang="en-US" sz="4400" dirty="0" smtClean="0"/>
-              <a:t>学習データ量を増加させていき</a:t>
+              <a:t>学習データ量を増加させていき画像データ正解率の精度を上げていく</a:t>
             </a:r>
             <a:endParaRPr kumimoji="1" lang="en-US" altLang="ja-JP" sz="4400" dirty="0" smtClean="0"/>
           </a:p>
           <a:p>
             <a:r>
-              <a:rPr kumimoji="1" lang="ja-JP" altLang="en-US" sz="4400" dirty="0" smtClean="0"/>
-              <a:t>画像データ正解率の精度を上げていく</a:t>
+              <a:rPr kumimoji="1" lang="en-US" altLang="ja-JP" sz="4400" dirty="0" smtClean="0"/>
+              <a:t>2</a:t>
+            </a:r>
+            <a:r>
+              <a:rPr lang="ja-JP" altLang="en-US" sz="4400" dirty="0" err="1"/>
+              <a:t>．</a:t>
+            </a:r>
+            <a:r>
+              <a:rPr lang="ja-JP" altLang="en-US" sz="4400" dirty="0"/>
+              <a:t>識別率が高くなったら</a:t>
+            </a:r>
+            <a:r>
+              <a:rPr lang="ja-JP" altLang="en-US" sz="4400" dirty="0" smtClean="0"/>
+              <a:t>，情報不明のゲームエンジンを解析する</a:t>
             </a:r>
             <a:endParaRPr kumimoji="1" lang="en-US" altLang="ja-JP" sz="4400" dirty="0" smtClean="0"/>
           </a:p>
@@ -6749,8 +6828,8 @@
         </p:nvSpPr>
         <p:spPr>
           <a:xfrm>
-            <a:off x="10237304" y="22480845"/>
-            <a:ext cx="7165951" cy="1323439"/>
+            <a:off x="10570793" y="21069913"/>
+            <a:ext cx="10280154" cy="2554545"/>
           </a:xfrm>
           <a:prstGeom prst="rect">
             <a:avLst/>
@@ -6774,14 +6853,71 @@
             </a:r>
             <a:r>
               <a:rPr kumimoji="1" lang="ja-JP" altLang="en-US" sz="4000" dirty="0" smtClean="0"/>
-              <a:t>つゲームエンジンの画像を</a:t>
-            </a:r>
-            <a:endParaRPr kumimoji="1" lang="en-US" altLang="ja-JP" sz="4000" dirty="0" smtClean="0"/>
-          </a:p>
-          <a:p>
+              <a:t>つゲームエンジン</a:t>
+            </a:r>
+            <a:r>
+              <a:rPr lang="ja-JP" altLang="en-US" sz="4000" dirty="0" smtClean="0"/>
+              <a:t>（</a:t>
+            </a:r>
+            <a:r>
+              <a:rPr lang="en-US" altLang="ja-JP" sz="4000" dirty="0" err="1" smtClean="0"/>
+              <a:t>CryENGINE</a:t>
+            </a:r>
+            <a:r>
+              <a:rPr lang="ja-JP" altLang="en-US" sz="4000" dirty="0" err="1" smtClean="0"/>
+              <a:t>，</a:t>
+            </a:r>
+            <a:r>
+              <a:rPr lang="en-US" altLang="ja-JP" sz="4000" dirty="0" smtClean="0"/>
+              <a:t>FOX</a:t>
+            </a:r>
+            <a:r>
+              <a:rPr lang="ja-JP" altLang="en-US" sz="4000" dirty="0" smtClean="0"/>
+              <a:t> </a:t>
+            </a:r>
+            <a:r>
+              <a:rPr lang="en-US" altLang="ja-JP" sz="4000" dirty="0" smtClean="0"/>
+              <a:t>ENGINE</a:t>
+            </a:r>
+            <a:r>
+              <a:rPr lang="ja-JP" altLang="en-US" sz="4000" dirty="0" err="1" smtClean="0"/>
+              <a:t>，</a:t>
+            </a:r>
+            <a:r>
+              <a:rPr lang="en-US" altLang="ja-JP" sz="4000" dirty="0" smtClean="0"/>
+              <a:t>Frostbite</a:t>
+            </a:r>
+            <a:r>
+              <a:rPr lang="ja-JP" altLang="en-US" sz="4000" dirty="0" err="1" smtClean="0"/>
+              <a:t>，</a:t>
+            </a:r>
+            <a:r>
+              <a:rPr lang="en-US" altLang="ja-JP" sz="4000" dirty="0" err="1" smtClean="0"/>
+              <a:t>PhyreEngine</a:t>
+            </a:r>
+            <a:r>
+              <a:rPr lang="ja-JP" altLang="en-US" sz="4000" dirty="0" err="1" smtClean="0"/>
+              <a:t>，</a:t>
+            </a:r>
+            <a:r>
+              <a:rPr lang="en-US" altLang="ja-JP" sz="4000" dirty="0" smtClean="0"/>
+              <a:t>Unity</a:t>
+            </a:r>
+            <a:r>
+              <a:rPr lang="ja-JP" altLang="en-US" sz="4000" dirty="0" err="1" smtClean="0"/>
+              <a:t>，</a:t>
+            </a:r>
+            <a:r>
+              <a:rPr lang="en-US" altLang="ja-JP" sz="4000" dirty="0" smtClean="0"/>
+              <a:t>UNREAL ENGINE</a:t>
+            </a:r>
+            <a:r>
+              <a:rPr lang="ja-JP" altLang="en-US" sz="4000" dirty="0" smtClean="0"/>
+              <a:t>）</a:t>
+            </a:r>
             <a:r>
               <a:rPr kumimoji="1" lang="ja-JP" altLang="en-US" sz="4000" dirty="0" smtClean="0"/>
-              <a:t>各</a:t>
+              <a:t>の画像を各</a:t>
             </a:r>
             <a:r>
               <a:rPr kumimoji="1" lang="en-US" altLang="ja-JP" sz="4000" dirty="0" smtClean="0"/>
@@ -6789,7 +6925,7 @@
             </a:r>
             <a:r>
               <a:rPr kumimoji="1" lang="ja-JP" altLang="en-US" sz="4000" dirty="0" smtClean="0"/>
-              <a:t>枚を収集</a:t>
+              <a:t>枚を収集した</a:t>
             </a:r>
             <a:endParaRPr kumimoji="1" lang="en-US" altLang="ja-JP" sz="4000" dirty="0" smtClean="0"/>
           </a:p>
@@ -6803,8 +6939,8 @@
         </p:nvSpPr>
         <p:spPr>
           <a:xfrm>
-            <a:off x="10239956" y="24638198"/>
-            <a:ext cx="7163299" cy="1323439"/>
+            <a:off x="10525075" y="24126504"/>
+            <a:ext cx="10325872" cy="1938992"/>
           </a:xfrm>
           <a:prstGeom prst="rect">
             <a:avLst/>
@@ -6824,7 +6960,7 @@
           <a:p>
             <a:r>
               <a:rPr lang="en-US" altLang="ja-JP" sz="4000" dirty="0" err="1" smtClean="0"/>
-              <a:t>Tensorflow</a:t>
+              <a:t>TensorFlow</a:t>
             </a:r>
             <a:r>
               <a:rPr lang="ja-JP" altLang="en-US" sz="4000" dirty="0" smtClean="0"/>
@@ -6832,11 +6968,23 @@
             </a:r>
             <a:r>
               <a:rPr kumimoji="1" lang="en-US" altLang="ja-JP" sz="4000" dirty="0" err="1" smtClean="0"/>
-              <a:t>Opencv</a:t>
+              <a:t>OpenCV</a:t>
+            </a:r>
+            <a:r>
+              <a:rPr lang="ja-JP" altLang="en-US" sz="4000" dirty="0" smtClean="0"/>
+              <a:t>（ここでは画像サイズのリサイズで使用する）</a:t>
             </a:r>
             <a:r>
               <a:rPr kumimoji="1" lang="ja-JP" altLang="en-US" sz="4000" dirty="0" smtClean="0"/>
-              <a:t>を同時に動作するようにする</a:t>
+              <a:t>を同時に動作するように</a:t>
+            </a:r>
+            <a:r>
+              <a:rPr lang="ja-JP" altLang="en-US" sz="4000" dirty="0" smtClean="0"/>
+              <a:t>し</a:t>
+            </a:r>
+            <a:r>
+              <a:rPr lang="ja-JP" altLang="en-US" sz="4000" dirty="0"/>
+              <a:t>た</a:t>
             </a:r>
             <a:endParaRPr kumimoji="1" lang="en-US" altLang="ja-JP" sz="4000" dirty="0" smtClean="0"/>
           </a:p>
@@ -6844,82 +6992,19 @@
       </p:sp>
       <p:sp>
         <p:nvSpPr>
-          <p:cNvPr id="215" name="テキスト ボックス 214"/>
-          <p:cNvSpPr txBox="1"/>
+          <p:cNvPr id="4" name="楕円 3"/>
+          <p:cNvSpPr/>
           <p:nvPr/>
         </p:nvSpPr>
         <p:spPr>
           <a:xfrm>
-            <a:off x="10239957" y="20609111"/>
-            <a:ext cx="7163299" cy="1323439"/>
+            <a:off x="963882" y="19887390"/>
+            <a:ext cx="900744" cy="906665"/>
           </a:xfrm>
-          <a:prstGeom prst="rect">
+          <a:prstGeom prst="ellipse">
             <a:avLst/>
           </a:prstGeom>
-          <a:noFill/>
-          <a:ln w="25400">
-            <a:solidFill>
-              <a:srgbClr val="E4BA51"/>
-            </a:solidFill>
-          </a:ln>
-        </p:spPr>
-        <p:txBody>
-          <a:bodyPr wrap="square" rtlCol="0">
-            <a:spAutoFit/>
-          </a:bodyPr>
-          <a:lstStyle/>
-          <a:p>
-            <a:r>
-              <a:rPr kumimoji="1" lang="en-US" altLang="ja-JP" sz="4000" dirty="0" smtClean="0"/>
-              <a:t>MNIST</a:t>
-            </a:r>
-            <a:r>
-              <a:rPr lang="ja-JP" altLang="en-US" sz="4000" dirty="0" smtClean="0"/>
-              <a:t>データ</a:t>
-            </a:r>
-            <a:r>
-              <a:rPr lang="en-US" altLang="ja-JP" sz="4000" dirty="0" smtClean="0"/>
-              <a:t>(0</a:t>
-            </a:r>
-            <a:r>
-              <a:rPr lang="ja-JP" altLang="en-US" sz="4000" dirty="0" smtClean="0"/>
-              <a:t>～</a:t>
-            </a:r>
-            <a:r>
-              <a:rPr lang="en-US" altLang="ja-JP" sz="4000" dirty="0" smtClean="0"/>
-              <a:t>9</a:t>
-            </a:r>
-            <a:r>
-              <a:rPr lang="ja-JP" altLang="en-US" sz="4000" dirty="0" smtClean="0"/>
-              <a:t>の手書きの数字の画像データ</a:t>
-            </a:r>
-            <a:r>
-              <a:rPr lang="en-US" altLang="ja-JP" sz="4000" dirty="0" smtClean="0"/>
-              <a:t>)</a:t>
-            </a:r>
-            <a:r>
-              <a:rPr lang="ja-JP" altLang="en-US" sz="4000" dirty="0" smtClean="0"/>
-              <a:t>の画像学習</a:t>
-            </a:r>
-            <a:endParaRPr kumimoji="1" lang="en-US" altLang="ja-JP" sz="4000" dirty="0" smtClean="0"/>
-          </a:p>
-        </p:txBody>
-      </p:sp>
-      <p:sp>
-        <p:nvSpPr>
-          <p:cNvPr id="217" name="下カーブ矢印 216"/>
-          <p:cNvSpPr/>
-          <p:nvPr/>
-        </p:nvSpPr>
-        <p:spPr>
-          <a:xfrm rot="5400000">
-            <a:off x="7163334" y="21284519"/>
-            <a:ext cx="2011304" cy="1768623"/>
-          </a:xfrm>
-          <a:prstGeom prst="curvedDownArrow">
-            <a:avLst/>
-          </a:prstGeom>
-          <a:pattFill prst="pct75">
+          <a:pattFill prst="pct60">
             <a:fgClr>
               <a:srgbClr val="E4BA51"/>
             </a:fgClr>
@@ -6928,9 +7013,7 @@
             </a:bgClr>
           </a:pattFill>
           <a:ln>
-            <a:solidFill>
-              <a:srgbClr val="E4BA51"/>
-            </a:solidFill>
+            <a:noFill/>
           </a:ln>
         </p:spPr>
         <p:style>
@@ -6954,7 +7037,15 @@
           <a:lstStyle/>
           <a:p>
             <a:pPr algn="ctr"/>
-            <a:endParaRPr kumimoji="1" lang="ja-JP" altLang="en-US">
+            <a:r>
+              <a:rPr kumimoji="1" lang="en-US" altLang="ja-JP" sz="6000" dirty="0" smtClean="0">
+                <a:solidFill>
+                  <a:schemeClr val="tx1"/>
+                </a:solidFill>
+              </a:rPr>
+              <a:t>1</a:t>
+            </a:r>
+            <a:endParaRPr kumimoji="1" lang="ja-JP" altLang="en-US" sz="6000" dirty="0">
               <a:solidFill>
                 <a:schemeClr val="tx1"/>
               </a:solidFill>
@@ -6964,19 +7055,19 @@
       </p:sp>
       <p:sp>
         <p:nvSpPr>
-          <p:cNvPr id="218" name="下カーブ矢印 217"/>
+          <p:cNvPr id="114" name="楕円 113"/>
           <p:cNvSpPr/>
           <p:nvPr/>
         </p:nvSpPr>
         <p:spPr>
-          <a:xfrm rot="5400000">
-            <a:off x="7315734" y="24101387"/>
-            <a:ext cx="2011304" cy="1768623"/>
+          <a:xfrm>
+            <a:off x="963882" y="21908269"/>
+            <a:ext cx="900744" cy="906665"/>
           </a:xfrm>
-          <a:prstGeom prst="curvedDownArrow">
+          <a:prstGeom prst="ellipse">
             <a:avLst/>
           </a:prstGeom>
-          <a:pattFill prst="pct75">
+          <a:pattFill prst="pct60">
             <a:fgClr>
               <a:srgbClr val="E4BA51"/>
             </a:fgClr>
@@ -6985,9 +7076,7 @@
             </a:bgClr>
           </a:pattFill>
           <a:ln>
-            <a:solidFill>
-              <a:srgbClr val="E4BA51"/>
-            </a:solidFill>
+            <a:noFill/>
           </a:ln>
         </p:spPr>
         <p:style>
@@ -7011,7 +7100,15 @@
           <a:lstStyle/>
           <a:p>
             <a:pPr algn="ctr"/>
-            <a:endParaRPr kumimoji="1" lang="ja-JP" altLang="en-US">
+            <a:r>
+              <a:rPr lang="en-US" altLang="ja-JP" sz="6000" dirty="0">
+                <a:solidFill>
+                  <a:schemeClr val="tx1"/>
+                </a:solidFill>
+              </a:rPr>
+              <a:t>2</a:t>
+            </a:r>
+            <a:endParaRPr kumimoji="1" lang="ja-JP" altLang="en-US" sz="6000" dirty="0">
               <a:solidFill>
                 <a:schemeClr val="tx1"/>
               </a:solidFill>
@@ -7021,19 +7118,19 @@
       </p:sp>
       <p:sp>
         <p:nvSpPr>
-          <p:cNvPr id="219" name="下カーブ矢印 218"/>
+          <p:cNvPr id="115" name="楕円 114"/>
           <p:cNvSpPr/>
           <p:nvPr/>
         </p:nvSpPr>
         <p:spPr>
-          <a:xfrm rot="5400000">
-            <a:off x="17749810" y="24105416"/>
-            <a:ext cx="2011304" cy="1768623"/>
+          <a:xfrm>
+            <a:off x="963882" y="23608158"/>
+            <a:ext cx="900744" cy="906665"/>
           </a:xfrm>
-          <a:prstGeom prst="curvedDownArrow">
+          <a:prstGeom prst="ellipse">
             <a:avLst/>
           </a:prstGeom>
-          <a:pattFill prst="pct75">
+          <a:pattFill prst="pct60">
             <a:fgClr>
               <a:srgbClr val="E4BA51"/>
             </a:fgClr>
@@ -7042,9 +7139,7 @@
             </a:bgClr>
           </a:pattFill>
           <a:ln>
-            <a:solidFill>
-              <a:srgbClr val="E4BA51"/>
-            </a:solidFill>
+            <a:noFill/>
           </a:ln>
         </p:spPr>
         <p:style>
@@ -7068,7 +7163,15 @@
           <a:lstStyle/>
           <a:p>
             <a:pPr algn="ctr"/>
-            <a:endParaRPr kumimoji="1" lang="ja-JP" altLang="en-US">
+            <a:r>
+              <a:rPr lang="en-US" altLang="ja-JP" sz="6000" dirty="0">
+                <a:solidFill>
+                  <a:schemeClr val="tx1"/>
+                </a:solidFill>
+              </a:rPr>
+              <a:t>3</a:t>
+            </a:r>
+            <a:endParaRPr kumimoji="1" lang="ja-JP" altLang="en-US" sz="6000" dirty="0">
               <a:solidFill>
                 <a:schemeClr val="tx1"/>
               </a:solidFill>
@@ -7078,19 +7181,19 @@
       </p:sp>
       <p:sp>
         <p:nvSpPr>
-          <p:cNvPr id="220" name="下カーブ矢印 219"/>
+          <p:cNvPr id="116" name="楕円 115"/>
           <p:cNvSpPr/>
           <p:nvPr/>
         </p:nvSpPr>
         <p:spPr>
-          <a:xfrm rot="5400000">
-            <a:off x="17749810" y="21288645"/>
-            <a:ext cx="2011304" cy="1768623"/>
+          <a:xfrm>
+            <a:off x="9409065" y="19739576"/>
+            <a:ext cx="900744" cy="906665"/>
           </a:xfrm>
-          <a:prstGeom prst="curvedDownArrow">
+          <a:prstGeom prst="ellipse">
             <a:avLst/>
           </a:prstGeom>
-          <a:pattFill prst="pct75">
+          <a:pattFill prst="pct60">
             <a:fgClr>
               <a:srgbClr val="E4BA51"/>
             </a:fgClr>
@@ -7099,9 +7202,7 @@
             </a:bgClr>
           </a:pattFill>
           <a:ln>
-            <a:solidFill>
-              <a:srgbClr val="E4BA51"/>
-            </a:solidFill>
+            <a:noFill/>
           </a:ln>
         </p:spPr>
         <p:style>
@@ -7125,7 +7226,15 @@
           <a:lstStyle/>
           <a:p>
             <a:pPr algn="ctr"/>
-            <a:endParaRPr kumimoji="1" lang="ja-JP" altLang="en-US">
+            <a:r>
+              <a:rPr kumimoji="1" lang="en-US" altLang="ja-JP" sz="6000" dirty="0" smtClean="0">
+                <a:solidFill>
+                  <a:schemeClr val="tx1"/>
+                </a:solidFill>
+              </a:rPr>
+              <a:t>1</a:t>
+            </a:r>
+            <a:endParaRPr kumimoji="1" lang="ja-JP" altLang="en-US" sz="6000" dirty="0">
               <a:solidFill>
                 <a:schemeClr val="tx1"/>
               </a:solidFill>
@@ -7135,20 +7244,217 @@
       </p:sp>
       <p:sp>
         <p:nvSpPr>
-          <p:cNvPr id="221" name="テキスト ボックス 220"/>
+          <p:cNvPr id="117" name="楕円 116"/>
+          <p:cNvSpPr/>
+          <p:nvPr/>
+        </p:nvSpPr>
+        <p:spPr>
+          <a:xfrm>
+            <a:off x="9409065" y="21060781"/>
+            <a:ext cx="900744" cy="906665"/>
+          </a:xfrm>
+          <a:prstGeom prst="ellipse">
+            <a:avLst/>
+          </a:prstGeom>
+          <a:pattFill prst="pct60">
+            <a:fgClr>
+              <a:srgbClr val="E4BA51"/>
+            </a:fgClr>
+            <a:bgClr>
+              <a:schemeClr val="bg1"/>
+            </a:bgClr>
+          </a:pattFill>
+          <a:ln>
+            <a:noFill/>
+          </a:ln>
+        </p:spPr>
+        <p:style>
+          <a:lnRef idx="2">
+            <a:schemeClr val="accent1">
+              <a:shade val="50000"/>
+            </a:schemeClr>
+          </a:lnRef>
+          <a:fillRef idx="1">
+            <a:schemeClr val="accent1"/>
+          </a:fillRef>
+          <a:effectRef idx="0">
+            <a:schemeClr val="accent1"/>
+          </a:effectRef>
+          <a:fontRef idx="minor">
+            <a:schemeClr val="lt1"/>
+          </a:fontRef>
+        </p:style>
+        <p:txBody>
+          <a:bodyPr rtlCol="0" anchor="ctr"/>
+          <a:lstStyle/>
+          <a:p>
+            <a:pPr algn="ctr"/>
+            <a:r>
+              <a:rPr lang="en-US" altLang="ja-JP" sz="6000" dirty="0">
+                <a:solidFill>
+                  <a:schemeClr val="tx1"/>
+                </a:solidFill>
+              </a:rPr>
+              <a:t>2</a:t>
+            </a:r>
+            <a:endParaRPr kumimoji="1" lang="ja-JP" altLang="en-US" sz="6000" dirty="0">
+              <a:solidFill>
+                <a:schemeClr val="tx1"/>
+              </a:solidFill>
+            </a:endParaRPr>
+          </a:p>
+        </p:txBody>
+      </p:sp>
+      <p:sp>
+        <p:nvSpPr>
+          <p:cNvPr id="118" name="楕円 117"/>
+          <p:cNvSpPr/>
+          <p:nvPr/>
+        </p:nvSpPr>
+        <p:spPr>
+          <a:xfrm>
+            <a:off x="9409065" y="23856706"/>
+            <a:ext cx="900744" cy="906665"/>
+          </a:xfrm>
+          <a:prstGeom prst="ellipse">
+            <a:avLst/>
+          </a:prstGeom>
+          <a:pattFill prst="pct60">
+            <a:fgClr>
+              <a:srgbClr val="E4BA51"/>
+            </a:fgClr>
+            <a:bgClr>
+              <a:schemeClr val="bg1"/>
+            </a:bgClr>
+          </a:pattFill>
+          <a:ln>
+            <a:noFill/>
+          </a:ln>
+        </p:spPr>
+        <p:style>
+          <a:lnRef idx="2">
+            <a:schemeClr val="accent1">
+              <a:shade val="50000"/>
+            </a:schemeClr>
+          </a:lnRef>
+          <a:fillRef idx="1">
+            <a:schemeClr val="accent1"/>
+          </a:fillRef>
+          <a:effectRef idx="0">
+            <a:schemeClr val="accent1"/>
+          </a:effectRef>
+          <a:fontRef idx="minor">
+            <a:schemeClr val="lt1"/>
+          </a:fontRef>
+        </p:style>
+        <p:txBody>
+          <a:bodyPr rtlCol="0" anchor="ctr"/>
+          <a:lstStyle/>
+          <a:p>
+            <a:pPr algn="ctr"/>
+            <a:r>
+              <a:rPr lang="en-US" altLang="ja-JP" sz="6000" dirty="0">
+                <a:solidFill>
+                  <a:schemeClr val="tx1"/>
+                </a:solidFill>
+              </a:rPr>
+              <a:t>3</a:t>
+            </a:r>
+            <a:endParaRPr kumimoji="1" lang="ja-JP" altLang="en-US" sz="6000" dirty="0">
+              <a:solidFill>
+                <a:schemeClr val="tx1"/>
+              </a:solidFill>
+            </a:endParaRPr>
+          </a:p>
+        </p:txBody>
+      </p:sp>
+      <p:pic>
+        <p:nvPicPr>
+          <p:cNvPr id="2" name="図 1"/>
+          <p:cNvPicPr>
+            <a:picLocks noChangeAspect="1"/>
+          </p:cNvPicPr>
+          <p:nvPr/>
+        </p:nvPicPr>
+        <p:blipFill>
+          <a:blip r:embed="rId8">
+            <a:extLst>
+              <a:ext uri="{28A0092B-C50C-407E-A947-70E740481C1C}">
+                <a14:useLocalDpi xmlns:a14="http://schemas.microsoft.com/office/drawing/2010/main" val="0"/>
+              </a:ext>
+            </a:extLst>
+          </a:blip>
+          <a:stretch>
+            <a:fillRect/>
+          </a:stretch>
+        </p:blipFill>
+        <p:spPr>
+          <a:xfrm>
+            <a:off x="14543944" y="17865577"/>
+            <a:ext cx="6057900" cy="1514475"/>
+          </a:xfrm>
+          <a:prstGeom prst="rect">
+            <a:avLst/>
+          </a:prstGeom>
+        </p:spPr>
+      </p:pic>
+      <p:sp>
+        <p:nvSpPr>
+          <p:cNvPr id="3" name="テキスト ボックス 2"/>
           <p:cNvSpPr txBox="1"/>
           <p:nvPr/>
         </p:nvSpPr>
         <p:spPr>
           <a:xfrm>
-            <a:off x="3408340" y="15938460"/>
-            <a:ext cx="16622292" cy="2246769"/>
+            <a:off x="14202055" y="19454997"/>
+            <a:ext cx="6942038" cy="523220"/>
           </a:xfrm>
           <a:prstGeom prst="rect">
             <a:avLst/>
           </a:prstGeom>
           <a:noFill/>
-          <a:ln w="50800">
+        </p:spPr>
+        <p:txBody>
+          <a:bodyPr wrap="square" rtlCol="0">
+            <a:spAutoFit/>
+          </a:bodyPr>
+          <a:lstStyle/>
+          <a:p>
+            <a:pPr algn="ctr"/>
+            <a:r>
+              <a:rPr kumimoji="1" lang="ja-JP" altLang="en-US" sz="2800" dirty="0" smtClean="0"/>
+              <a:t>（</a:t>
+            </a:r>
+            <a:r>
+              <a:rPr kumimoji="1" lang="en-US" altLang="ja-JP" sz="2800" dirty="0" smtClean="0"/>
+              <a:t>28×28</a:t>
+            </a:r>
+            <a:r>
+              <a:rPr kumimoji="1" lang="ja-JP" altLang="en-US" sz="2800" dirty="0" smtClean="0"/>
+              <a:t>ピクセルの画像）</a:t>
+            </a:r>
+            <a:endParaRPr kumimoji="1" lang="ja-JP" altLang="en-US" sz="2800" dirty="0"/>
+          </a:p>
+        </p:txBody>
+      </p:sp>
+      <p:sp>
+        <p:nvSpPr>
+          <p:cNvPr id="215" name="テキスト ボックス 214"/>
+          <p:cNvSpPr txBox="1"/>
+          <p:nvPr/>
+        </p:nvSpPr>
+        <p:spPr>
+          <a:xfrm>
+            <a:off x="10521836" y="19975721"/>
+            <a:ext cx="10253643" cy="707886"/>
+          </a:xfrm>
+          <a:prstGeom prst="rect">
+            <a:avLst/>
+          </a:prstGeom>
+          <a:solidFill>
+            <a:schemeClr val="bg1"/>
+          </a:solidFill>
+          <a:ln w="25400">
             <a:solidFill>
               <a:srgbClr val="E4BA51"/>
             </a:solidFill>
@@ -7161,19 +7467,12 @@
           <a:lstStyle/>
           <a:p>
             <a:r>
-              <a:rPr kumimoji="1" lang="en-US" altLang="ja-JP" sz="6000" dirty="0" err="1" smtClean="0"/>
-              <a:t>TensorFlow</a:t>
-            </a:r>
-            <a:endParaRPr kumimoji="1" lang="en-US" altLang="ja-JP" sz="6000" dirty="0" smtClean="0"/>
-          </a:p>
-          <a:p>
-            <a:r>
               <a:rPr kumimoji="1" lang="en-US" altLang="ja-JP" sz="4000" dirty="0" smtClean="0"/>
-              <a:t>Google</a:t>
-            </a:r>
-            <a:r>
-              <a:rPr kumimoji="1" lang="ja-JP" altLang="en-US" sz="4000" dirty="0" smtClean="0"/>
-              <a:t>が開発しオープンソースとして公開したディープラーニングのフレームワーク</a:t>
+              <a:t>MNIST</a:t>
+            </a:r>
+            <a:r>
+              <a:rPr lang="ja-JP" altLang="en-US" sz="4000" dirty="0" smtClean="0"/>
+              <a:t>データの画像学習した</a:t>
             </a:r>
             <a:endParaRPr kumimoji="1" lang="en-US" altLang="ja-JP" sz="4000" dirty="0" smtClean="0"/>
           </a:p>

--- a/課題研究/2016/川辺明俊/最終発表/1442045 川辺明俊 ポスター.pptx
+++ b/課題研究/2016/川辺明俊/最終発表/1442045 川辺明俊 ポスター.pptx
@@ -252,7 +252,7 @@
           <a:p>
             <a:fld id="{249F5CDE-9CD6-4091-AE13-B1A6AD99E2FB}" type="datetimeFigureOut">
               <a:rPr kumimoji="1" lang="ja-JP" altLang="en-US" smtClean="0"/>
-              <a:t>2016/12/15</a:t>
+              <a:t>2016/12/16</a:t>
             </a:fld>
             <a:endParaRPr kumimoji="1" lang="ja-JP" altLang="en-US"/>
           </a:p>
@@ -454,7 +454,7 @@
           <a:p>
             <a:fld id="{249F5CDE-9CD6-4091-AE13-B1A6AD99E2FB}" type="datetimeFigureOut">
               <a:rPr kumimoji="1" lang="ja-JP" altLang="en-US" smtClean="0"/>
-              <a:t>2016/12/15</a:t>
+              <a:t>2016/12/16</a:t>
             </a:fld>
             <a:endParaRPr kumimoji="1" lang="ja-JP" altLang="en-US"/>
           </a:p>
@@ -666,7 +666,7 @@
           <a:p>
             <a:fld id="{249F5CDE-9CD6-4091-AE13-B1A6AD99E2FB}" type="datetimeFigureOut">
               <a:rPr kumimoji="1" lang="ja-JP" altLang="en-US" smtClean="0"/>
-              <a:t>2016/12/15</a:t>
+              <a:t>2016/12/16</a:t>
             </a:fld>
             <a:endParaRPr kumimoji="1" lang="ja-JP" altLang="en-US"/>
           </a:p>
@@ -868,7 +868,7 @@
           <a:p>
             <a:fld id="{249F5CDE-9CD6-4091-AE13-B1A6AD99E2FB}" type="datetimeFigureOut">
               <a:rPr kumimoji="1" lang="ja-JP" altLang="en-US" smtClean="0"/>
-              <a:t>2016/12/15</a:t>
+              <a:t>2016/12/16</a:t>
             </a:fld>
             <a:endParaRPr kumimoji="1" lang="ja-JP" altLang="en-US"/>
           </a:p>
@@ -1112,7 +1112,7 @@
           <a:p>
             <a:fld id="{249F5CDE-9CD6-4091-AE13-B1A6AD99E2FB}" type="datetimeFigureOut">
               <a:rPr kumimoji="1" lang="ja-JP" altLang="en-US" smtClean="0"/>
-              <a:t>2016/12/15</a:t>
+              <a:t>2016/12/16</a:t>
             </a:fld>
             <a:endParaRPr kumimoji="1" lang="ja-JP" altLang="en-US"/>
           </a:p>
@@ -1408,7 +1408,7 @@
           <a:p>
             <a:fld id="{249F5CDE-9CD6-4091-AE13-B1A6AD99E2FB}" type="datetimeFigureOut">
               <a:rPr kumimoji="1" lang="ja-JP" altLang="en-US" smtClean="0"/>
-              <a:t>2016/12/15</a:t>
+              <a:t>2016/12/16</a:t>
             </a:fld>
             <a:endParaRPr kumimoji="1" lang="ja-JP" altLang="en-US"/>
           </a:p>
@@ -1839,7 +1839,7 @@
           <a:p>
             <a:fld id="{249F5CDE-9CD6-4091-AE13-B1A6AD99E2FB}" type="datetimeFigureOut">
               <a:rPr kumimoji="1" lang="ja-JP" altLang="en-US" smtClean="0"/>
-              <a:t>2016/12/15</a:t>
+              <a:t>2016/12/16</a:t>
             </a:fld>
             <a:endParaRPr kumimoji="1" lang="ja-JP" altLang="en-US"/>
           </a:p>
@@ -1957,7 +1957,7 @@
           <a:p>
             <a:fld id="{249F5CDE-9CD6-4091-AE13-B1A6AD99E2FB}" type="datetimeFigureOut">
               <a:rPr kumimoji="1" lang="ja-JP" altLang="en-US" smtClean="0"/>
-              <a:t>2016/12/15</a:t>
+              <a:t>2016/12/16</a:t>
             </a:fld>
             <a:endParaRPr kumimoji="1" lang="ja-JP" altLang="en-US"/>
           </a:p>
@@ -2052,7 +2052,7 @@
           <a:p>
             <a:fld id="{249F5CDE-9CD6-4091-AE13-B1A6AD99E2FB}" type="datetimeFigureOut">
               <a:rPr kumimoji="1" lang="ja-JP" altLang="en-US" smtClean="0"/>
-              <a:t>2016/12/15</a:t>
+              <a:t>2016/12/16</a:t>
             </a:fld>
             <a:endParaRPr kumimoji="1" lang="ja-JP" altLang="en-US"/>
           </a:p>
@@ -2361,7 +2361,7 @@
           <a:p>
             <a:fld id="{249F5CDE-9CD6-4091-AE13-B1A6AD99E2FB}" type="datetimeFigureOut">
               <a:rPr kumimoji="1" lang="ja-JP" altLang="en-US" smtClean="0"/>
-              <a:t>2016/12/15</a:t>
+              <a:t>2016/12/16</a:t>
             </a:fld>
             <a:endParaRPr kumimoji="1" lang="ja-JP" altLang="en-US"/>
           </a:p>
@@ -2618,7 +2618,7 @@
           <a:p>
             <a:fld id="{249F5CDE-9CD6-4091-AE13-B1A6AD99E2FB}" type="datetimeFigureOut">
               <a:rPr kumimoji="1" lang="ja-JP" altLang="en-US" smtClean="0"/>
-              <a:t>2016/12/15</a:t>
+              <a:t>2016/12/16</a:t>
             </a:fld>
             <a:endParaRPr kumimoji="1" lang="ja-JP" altLang="en-US"/>
           </a:p>
@@ -2866,7 +2866,7 @@
           <a:p>
             <a:fld id="{249F5CDE-9CD6-4091-AE13-B1A6AD99E2FB}" type="datetimeFigureOut">
               <a:rPr kumimoji="1" lang="ja-JP" altLang="en-US" smtClean="0"/>
-              <a:t>2016/12/15</a:t>
+              <a:t>2016/12/16</a:t>
             </a:fld>
             <a:endParaRPr kumimoji="1" lang="ja-JP" altLang="en-US"/>
           </a:p>
@@ -6790,12 +6790,24 @@
               <a:t>1</a:t>
             </a:r>
             <a:r>
-              <a:rPr kumimoji="1" lang="ja-JP" altLang="en-US" sz="4400" dirty="0" err="1" smtClean="0"/>
+              <a:rPr lang="ja-JP" altLang="en-US" sz="4400" dirty="0" err="1"/>
               <a:t>．</a:t>
             </a:r>
             <a:r>
-              <a:rPr kumimoji="1" lang="ja-JP" altLang="en-US" sz="4400" dirty="0" smtClean="0"/>
-              <a:t>学習データ量を増加させていき画像データ正解率の精度を上げていく</a:t>
+              <a:rPr lang="ja-JP" altLang="en-US" sz="4400" dirty="0"/>
+              <a:t>学習データ量</a:t>
+            </a:r>
+            <a:r>
+              <a:rPr lang="ja-JP" altLang="en-US" sz="4400"/>
+              <a:t>を</a:t>
+            </a:r>
+            <a:r>
+              <a:rPr lang="ja-JP" altLang="en-US" sz="4400" smtClean="0"/>
+              <a:t>増やし，ゲームエンジン</a:t>
+            </a:r>
+            <a:r>
+              <a:rPr lang="ja-JP" altLang="en-US" sz="4400" dirty="0"/>
+              <a:t>を正確に推定できるようにする </a:t>
             </a:r>
             <a:endParaRPr kumimoji="1" lang="en-US" altLang="ja-JP" sz="4400" dirty="0" smtClean="0"/>
           </a:p>
